--- a/src/main/resources/Radar_Eventos_v01122020REL1.pptx
+++ b/src/main/resources/Radar_Eventos_v01122020REL1.pptx
@@ -198,6 +198,7 @@
 <file path=ppt/revisionInfo.xml><?xml version="1.0" encoding="utf-8"?>
 <p1510:revInfo xmlns:a="http://schemas.openxmlformats.org/drawingml/2006/main" xmlns:r="http://schemas.openxmlformats.org/officeDocument/2006/relationships" xmlns:p1510="http://schemas.microsoft.com/office/powerpoint/2015/10/main">
   <p1510:revLst>
+    <p1510:client id="{7E521449-D74D-81FC-334C-41F40DE84CE2}" v="168" dt="2020-12-03T13:52:14.560"/>
     <p1510:client id="{EB465703-C71B-4F62-87DE-A2D8F503ED97}" v="55" dt="2020-12-01T10:47:39.869"/>
   </p1510:revLst>
 </p1510:revInfo>
@@ -9121,36 +9122,6 @@
           </a:p>
         </p:txBody>
       </p:sp>
-      <p:pic>
-        <p:nvPicPr>
-          <p:cNvPr id="3" name="Imagem 2">
-            <a:extLst>
-              <a:ext uri="{FF2B5EF4-FFF2-40B4-BE49-F238E27FC236}">
-                <a16:creationId xmlns:a16="http://schemas.microsoft.com/office/drawing/2014/main" id="{55A3E679-8082-4253-9FA8-3A3EF40F07F1}"/>
-              </a:ext>
-            </a:extLst>
-          </p:cNvPr>
-          <p:cNvPicPr>
-            <a:picLocks noChangeAspect="1"/>
-          </p:cNvPicPr>
-          <p:nvPr/>
-        </p:nvPicPr>
-        <p:blipFill>
-          <a:blip r:embed="rId3"/>
-          <a:stretch>
-            <a:fillRect/>
-          </a:stretch>
-        </p:blipFill>
-        <p:spPr>
-          <a:xfrm>
-            <a:off x="771525" y="1276350"/>
-            <a:ext cx="7600950" cy="4305300"/>
-          </a:xfrm>
-          <a:prstGeom prst="rect">
-            <a:avLst/>
-          </a:prstGeom>
-        </p:spPr>
-      </p:pic>
     </p:spTree>
   </p:cSld>
   <p:clrMapOvr>
@@ -10853,7 +10824,7 @@
           <p:nvPr>
             <p:extLst>
               <p:ext uri="{D42A27DB-BD31-4B8C-83A1-F6EECF244321}">
-                <p14:modId xmlns:p14="http://schemas.microsoft.com/office/powerpoint/2010/main" val="3642379696"/>
+                <p14:modId xmlns:p14="http://schemas.microsoft.com/office/powerpoint/2010/main" val="3369813775"/>
               </p:ext>
             </p:extLst>
           </p:nvPr>
@@ -10964,10 +10935,7 @@
                     <a:bodyPr/>
                     <a:lstStyle/>
                     <a:p>
-                      <a:r>
-                        <a:rPr lang="pt-BR" sz="1600" dirty="0"/>
-                        <a:t>10.70.128.121</a:t>
-                      </a:r>
+                      <a:endParaRPr lang="pt-BR" sz="1600" dirty="0"/>
                     </a:p>
                   </a:txBody>
                   <a:tcPr/>
@@ -10994,19 +10962,15 @@
                         <a:tabLst/>
                         <a:defRPr/>
                       </a:pPr>
-                      <a:r>
-                        <a:rPr lang="pt-BR" sz="1600" b="0" i="0" kern="1200" dirty="0">
-                          <a:solidFill>
-                            <a:schemeClr val="dk1"/>
-                          </a:solidFill>
-                          <a:effectLst/>
-                          <a:latin typeface="+mn-lt"/>
-                          <a:ea typeface="+mn-ea"/>
-                          <a:cs typeface="+mn-cs"/>
-                        </a:rPr>
-                        <a:t>v241p070.prevnet</a:t>
-                      </a:r>
-                      <a:endParaRPr lang="pt-BR" sz="1600" dirty="0"/>
+                      <a:endParaRPr lang="pt-BR" sz="1600" b="0" i="0" kern="1200" dirty="0">
+                        <a:solidFill>
+                          <a:schemeClr val="dk1"/>
+                        </a:solidFill>
+                        <a:effectLst/>
+                        <a:latin typeface="+mn-lt"/>
+                        <a:ea typeface="+mn-ea"/>
+                        <a:cs typeface="+mn-cs"/>
+                      </a:endParaRPr>
                     </a:p>
                   </a:txBody>
                   <a:tcPr/>
@@ -11016,10 +10980,7 @@
                     <a:bodyPr/>
                     <a:lstStyle/>
                     <a:p>
-                      <a:r>
-                        <a:rPr lang="pt-BR" sz="1600" dirty="0"/>
-                        <a:t>Esperado</a:t>
-                      </a:r>
+                      <a:endParaRPr lang="pt-BR" sz="1600" dirty="0"/>
                     </a:p>
                   </a:txBody>
                   <a:tcPr/>
@@ -11065,10 +11026,7 @@
                     <a:bodyPr/>
                     <a:lstStyle/>
                     <a:p>
-                      <a:r>
-                        <a:rPr lang="pt-BR" sz="1600" dirty="0"/>
-                        <a:t>10.130.116.25</a:t>
-                      </a:r>
+                      <a:endParaRPr lang="pt-BR" sz="1600" dirty="0"/>
                     </a:p>
                   </a:txBody>
                   <a:tcPr/>
@@ -11095,18 +11053,15 @@
                         <a:tabLst/>
                         <a:defRPr/>
                       </a:pPr>
-                      <a:r>
-                        <a:rPr lang="pt-BR" sz="1600" b="0" i="0" kern="1200" dirty="0">
-                          <a:solidFill>
-                            <a:schemeClr val="dk1"/>
-                          </a:solidFill>
-                          <a:effectLst/>
-                          <a:latin typeface="+mn-lt"/>
-                          <a:ea typeface="+mn-ea"/>
-                          <a:cs typeface="+mn-cs"/>
-                        </a:rPr>
-                        <a:t>v141p525.prevnet</a:t>
-                      </a:r>
+                      <a:endParaRPr lang="pt-BR" sz="1600" b="0" i="0" kern="1200" dirty="0">
+                        <a:solidFill>
+                          <a:schemeClr val="dk1"/>
+                        </a:solidFill>
+                        <a:effectLst/>
+                        <a:latin typeface="+mn-lt"/>
+                        <a:ea typeface="+mn-ea"/>
+                        <a:cs typeface="+mn-cs"/>
+                      </a:endParaRPr>
                     </a:p>
                   </a:txBody>
                   <a:tcPr/>
@@ -11116,10 +11071,7 @@
                     <a:bodyPr/>
                     <a:lstStyle/>
                     <a:p>
-                      <a:r>
-                        <a:rPr lang="pt-BR" sz="1600" dirty="0"/>
-                        <a:t>Esperado</a:t>
-                      </a:r>
+                      <a:endParaRPr lang="pt-BR" sz="1600" dirty="0"/>
                     </a:p>
                   </a:txBody>
                   <a:tcPr/>
@@ -11146,31 +11098,6 @@
                     <a:bodyPr/>
                     <a:lstStyle/>
                     <a:p>
-                      <a:r>
-                        <a:rPr lang="pt-BR" sz="1600" dirty="0"/>
-                        <a:t>10.146.116.20</a:t>
-                      </a:r>
-                    </a:p>
-                  </a:txBody>
-                  <a:tcPr/>
-                </a:tc>
-                <a:tc>
-                  <a:txBody>
-                    <a:bodyPr/>
-                    <a:lstStyle/>
-                    <a:p>
-                      <a:r>
-                        <a:rPr lang="pt-BR" sz="1600" b="0" i="0" kern="1200" dirty="0">
-                          <a:solidFill>
-                            <a:schemeClr val="dk1"/>
-                          </a:solidFill>
-                          <a:effectLst/>
-                          <a:latin typeface="+mn-lt"/>
-                          <a:ea typeface="+mn-ea"/>
-                          <a:cs typeface="+mn-cs"/>
-                        </a:rPr>
-                        <a:t>v321p594.prevnet</a:t>
-                      </a:r>
                       <a:endParaRPr lang="pt-BR" sz="1600" dirty="0"/>
                     </a:p>
                   </a:txBody>
@@ -11181,10 +11108,25 @@
                     <a:bodyPr/>
                     <a:lstStyle/>
                     <a:p>
-                      <a:r>
-                        <a:rPr lang="pt-BR" sz="1600" dirty="0"/>
-                        <a:t>Esperado</a:t>
-                      </a:r>
+                      <a:endParaRPr lang="pt-BR" sz="1600" b="0" i="0" kern="1200" dirty="0">
+                        <a:solidFill>
+                          <a:schemeClr val="dk1"/>
+                        </a:solidFill>
+                        <a:effectLst/>
+                        <a:latin typeface="+mn-lt"/>
+                        <a:ea typeface="+mn-ea"/>
+                        <a:cs typeface="+mn-cs"/>
+                      </a:endParaRPr>
+                    </a:p>
+                  </a:txBody>
+                  <a:tcPr/>
+                </a:tc>
+                <a:tc>
+                  <a:txBody>
+                    <a:bodyPr/>
+                    <a:lstStyle/>
+                    <a:p>
+                      <a:endParaRPr lang="pt-BR" sz="1600" dirty="0"/>
                     </a:p>
                   </a:txBody>
                   <a:tcPr/>
@@ -11211,31 +11153,6 @@
                     <a:bodyPr/>
                     <a:lstStyle/>
                     <a:p>
-                      <a:r>
-                        <a:rPr lang="pt-BR" sz="1600" dirty="0"/>
-                        <a:t>10.0.220.42</a:t>
-                      </a:r>
-                    </a:p>
-                  </a:txBody>
-                  <a:tcPr/>
-                </a:tc>
-                <a:tc>
-                  <a:txBody>
-                    <a:bodyPr/>
-                    <a:lstStyle/>
-                    <a:p>
-                      <a:r>
-                        <a:rPr lang="pt-BR" sz="1600" b="0" i="0" kern="1200" dirty="0" err="1">
-                          <a:solidFill>
-                            <a:schemeClr val="dk1"/>
-                          </a:solidFill>
-                          <a:effectLst/>
-                          <a:latin typeface="+mn-lt"/>
-                          <a:ea typeface="+mn-ea"/>
-                          <a:cs typeface="+mn-cs"/>
-                        </a:rPr>
-                        <a:t>www-apmrj.prevnet</a:t>
-                      </a:r>
                       <a:endParaRPr lang="pt-BR" sz="1600" dirty="0"/>
                     </a:p>
                   </a:txBody>
@@ -11246,10 +11163,25 @@
                     <a:bodyPr/>
                     <a:lstStyle/>
                     <a:p>
-                      <a:r>
-                        <a:rPr lang="pt-BR" sz="1600" dirty="0"/>
-                        <a:t>Esperado</a:t>
-                      </a:r>
+                      <a:endParaRPr lang="pt-BR" sz="1600" b="0" i="0" kern="1200" dirty="0">
+                        <a:solidFill>
+                          <a:schemeClr val="dk1"/>
+                        </a:solidFill>
+                        <a:effectLst/>
+                        <a:latin typeface="+mn-lt"/>
+                        <a:ea typeface="+mn-ea"/>
+                        <a:cs typeface="+mn-cs"/>
+                      </a:endParaRPr>
+                    </a:p>
+                  </a:txBody>
+                  <a:tcPr/>
+                </a:tc>
+                <a:tc>
+                  <a:txBody>
+                    <a:bodyPr/>
+                    <a:lstStyle/>
+                    <a:p>
+                      <a:endParaRPr lang="pt-BR" sz="1600" dirty="0"/>
                     </a:p>
                   </a:txBody>
                   <a:tcPr/>
@@ -11293,31 +11225,6 @@
                         <a:tabLst/>
                         <a:defRPr/>
                       </a:pPr>
-                      <a:r>
-                        <a:rPr lang="pt-BR" sz="1600" dirty="0"/>
-                        <a:t>10.132.32.81</a:t>
-                      </a:r>
-                    </a:p>
-                  </a:txBody>
-                  <a:tcPr/>
-                </a:tc>
-                <a:tc>
-                  <a:txBody>
-                    <a:bodyPr/>
-                    <a:lstStyle/>
-                    <a:p>
-                      <a:r>
-                        <a:rPr lang="pt-BR" sz="1600" b="0" i="0" kern="1200" dirty="0">
-                          <a:solidFill>
-                            <a:schemeClr val="dk1"/>
-                          </a:solidFill>
-                          <a:effectLst/>
-                          <a:latin typeface="+mn-lt"/>
-                          <a:ea typeface="+mn-ea"/>
-                          <a:cs typeface="+mn-cs"/>
-                        </a:rPr>
-                        <a:t>e111312vmp04-vip.exadata.prevnet</a:t>
-                      </a:r>
                       <a:endParaRPr lang="pt-BR" sz="1600" dirty="0"/>
                     </a:p>
                   </a:txBody>
@@ -11328,10 +11235,25 @@
                     <a:bodyPr/>
                     <a:lstStyle/>
                     <a:p>
-                      <a:r>
-                        <a:rPr lang="pt-BR" sz="1600" dirty="0"/>
-                        <a:t>Esperado</a:t>
-                      </a:r>
+                      <a:endParaRPr lang="pt-BR" sz="1600" b="0" i="0" kern="1200" dirty="0">
+                        <a:solidFill>
+                          <a:schemeClr val="dk1"/>
+                        </a:solidFill>
+                        <a:effectLst/>
+                        <a:latin typeface="+mn-lt"/>
+                        <a:ea typeface="+mn-ea"/>
+                        <a:cs typeface="+mn-cs"/>
+                      </a:endParaRPr>
+                    </a:p>
+                  </a:txBody>
+                  <a:tcPr/>
+                </a:tc>
+                <a:tc>
+                  <a:txBody>
+                    <a:bodyPr/>
+                    <a:lstStyle/>
+                    <a:p>
+                      <a:endParaRPr lang="pt-BR" sz="1600" dirty="0"/>
                     </a:p>
                   </a:txBody>
                   <a:tcPr/>
@@ -11358,31 +11280,6 @@
                     <a:bodyPr/>
                     <a:lstStyle/>
                     <a:p>
-                      <a:r>
-                        <a:rPr lang="pt-BR" sz="1600" dirty="0"/>
-                        <a:t>10.70.158.45</a:t>
-                      </a:r>
-                    </a:p>
-                  </a:txBody>
-                  <a:tcPr/>
-                </a:tc>
-                <a:tc>
-                  <a:txBody>
-                    <a:bodyPr/>
-                    <a:lstStyle/>
-                    <a:p>
-                      <a:r>
-                        <a:rPr lang="pt-BR" sz="1600" b="0" i="0" kern="1200" dirty="0">
-                          <a:solidFill>
-                            <a:schemeClr val="dk1"/>
-                          </a:solidFill>
-                          <a:effectLst/>
-                          <a:latin typeface="+mn-lt"/>
-                          <a:ea typeface="+mn-ea"/>
-                          <a:cs typeface="+mn-cs"/>
-                        </a:rPr>
-                        <a:t>v241p069.prevnet</a:t>
-                      </a:r>
                       <a:endParaRPr lang="pt-BR" sz="1600" dirty="0"/>
                     </a:p>
                   </a:txBody>
@@ -11393,10 +11290,25 @@
                     <a:bodyPr/>
                     <a:lstStyle/>
                     <a:p>
-                      <a:r>
-                        <a:rPr lang="pt-BR" sz="1600" dirty="0"/>
-                        <a:t>Esperado</a:t>
-                      </a:r>
+                      <a:endParaRPr lang="pt-BR" sz="1600" b="0" i="0" kern="1200" dirty="0">
+                        <a:solidFill>
+                          <a:schemeClr val="dk1"/>
+                        </a:solidFill>
+                        <a:effectLst/>
+                        <a:latin typeface="+mn-lt"/>
+                        <a:ea typeface="+mn-ea"/>
+                        <a:cs typeface="+mn-cs"/>
+                      </a:endParaRPr>
+                    </a:p>
+                  </a:txBody>
+                  <a:tcPr/>
+                </a:tc>
+                <a:tc>
+                  <a:txBody>
+                    <a:bodyPr/>
+                    <a:lstStyle/>
+                    <a:p>
+                      <a:endParaRPr lang="pt-BR" sz="1600" dirty="0"/>
                     </a:p>
                   </a:txBody>
                   <a:tcPr/>
@@ -11423,31 +11335,6 @@
                     <a:bodyPr/>
                     <a:lstStyle/>
                     <a:p>
-                      <a:r>
-                        <a:rPr lang="pt-BR" sz="1600" dirty="0"/>
-                        <a:t>10.132.32.80</a:t>
-                      </a:r>
-                    </a:p>
-                  </a:txBody>
-                  <a:tcPr/>
-                </a:tc>
-                <a:tc>
-                  <a:txBody>
-                    <a:bodyPr/>
-                    <a:lstStyle/>
-                    <a:p>
-                      <a:r>
-                        <a:rPr lang="pt-BR" sz="1600" b="0" i="0" kern="1200" dirty="0">
-                          <a:solidFill>
-                            <a:schemeClr val="dk1"/>
-                          </a:solidFill>
-                          <a:effectLst/>
-                          <a:latin typeface="+mn-lt"/>
-                          <a:ea typeface="+mn-ea"/>
-                          <a:cs typeface="+mn-cs"/>
-                        </a:rPr>
-                        <a:t>e111302vmp04-vip.exadata.prevnet</a:t>
-                      </a:r>
                       <a:endParaRPr lang="pt-BR" sz="1600" dirty="0"/>
                     </a:p>
                   </a:txBody>
@@ -11458,10 +11345,25 @@
                     <a:bodyPr/>
                     <a:lstStyle/>
                     <a:p>
-                      <a:r>
-                        <a:rPr lang="pt-BR" sz="1600" dirty="0"/>
-                        <a:t>Esperado</a:t>
-                      </a:r>
+                      <a:endParaRPr lang="pt-BR" sz="1600" b="0" i="0" kern="1200" dirty="0">
+                        <a:solidFill>
+                          <a:schemeClr val="dk1"/>
+                        </a:solidFill>
+                        <a:effectLst/>
+                        <a:latin typeface="+mn-lt"/>
+                        <a:ea typeface="+mn-ea"/>
+                        <a:cs typeface="+mn-cs"/>
+                      </a:endParaRPr>
+                    </a:p>
+                  </a:txBody>
+                  <a:tcPr/>
+                </a:tc>
+                <a:tc>
+                  <a:txBody>
+                    <a:bodyPr/>
+                    <a:lstStyle/>
+                    <a:p>
+                      <a:endParaRPr lang="pt-BR" sz="1600" dirty="0"/>
                     </a:p>
                   </a:txBody>
                   <a:tcPr/>
@@ -11488,31 +11390,6 @@
                     <a:bodyPr/>
                     <a:lstStyle/>
                     <a:p>
-                      <a:r>
-                        <a:rPr lang="pt-BR" sz="1600" dirty="0"/>
-                        <a:t>10.132.32.21</a:t>
-                      </a:r>
-                    </a:p>
-                  </a:txBody>
-                  <a:tcPr/>
-                </a:tc>
-                <a:tc>
-                  <a:txBody>
-                    <a:bodyPr/>
-                    <a:lstStyle/>
-                    <a:p>
-                      <a:r>
-                        <a:rPr lang="pt-BR" sz="1600" b="0" i="0" kern="1200" dirty="0">
-                          <a:solidFill>
-                            <a:schemeClr val="dk1"/>
-                          </a:solidFill>
-                          <a:effectLst/>
-                          <a:latin typeface="+mn-lt"/>
-                          <a:ea typeface="+mn-ea"/>
-                          <a:cs typeface="+mn-cs"/>
-                        </a:rPr>
-                        <a:t>e111104vmp01-vip.exadata.prevnet</a:t>
-                      </a:r>
                       <a:endParaRPr lang="pt-BR" sz="1600" dirty="0"/>
                     </a:p>
                   </a:txBody>
@@ -11523,10 +11400,25 @@
                     <a:bodyPr/>
                     <a:lstStyle/>
                     <a:p>
-                      <a:r>
-                        <a:rPr lang="pt-BR" sz="1600" dirty="0"/>
-                        <a:t>Esperado</a:t>
-                      </a:r>
+                      <a:endParaRPr lang="pt-BR" sz="1600" b="0" i="0" kern="1200" dirty="0">
+                        <a:solidFill>
+                          <a:schemeClr val="dk1"/>
+                        </a:solidFill>
+                        <a:effectLst/>
+                        <a:latin typeface="+mn-lt"/>
+                        <a:ea typeface="+mn-ea"/>
+                        <a:cs typeface="+mn-cs"/>
+                      </a:endParaRPr>
+                    </a:p>
+                  </a:txBody>
+                  <a:tcPr/>
+                </a:tc>
+                <a:tc>
+                  <a:txBody>
+                    <a:bodyPr/>
+                    <a:lstStyle/>
+                    <a:p>
+                      <a:endParaRPr lang="pt-BR" sz="1600" dirty="0"/>
                     </a:p>
                   </a:txBody>
                   <a:tcPr/>
@@ -11553,31 +11445,6 @@
                     <a:bodyPr/>
                     <a:lstStyle/>
                     <a:p>
-                      <a:r>
-                        <a:rPr lang="pt-BR" sz="1600" dirty="0"/>
-                        <a:t>10.31.3.124</a:t>
-                      </a:r>
-                    </a:p>
-                  </a:txBody>
-                  <a:tcPr/>
-                </a:tc>
-                <a:tc>
-                  <a:txBody>
-                    <a:bodyPr/>
-                    <a:lstStyle/>
-                    <a:p>
-                      <a:r>
-                        <a:rPr lang="pt-BR" sz="1600" b="0" i="0" kern="1200" dirty="0">
-                          <a:solidFill>
-                            <a:schemeClr val="dk1"/>
-                          </a:solidFill>
-                          <a:effectLst/>
-                          <a:latin typeface="+mn-lt"/>
-                          <a:ea typeface="+mn-ea"/>
-                          <a:cs typeface="+mn-cs"/>
-                        </a:rPr>
-                        <a:t>v341p055.prevnet</a:t>
-                      </a:r>
                       <a:endParaRPr lang="pt-BR" sz="1600" dirty="0"/>
                     </a:p>
                   </a:txBody>
@@ -11588,10 +11455,25 @@
                     <a:bodyPr/>
                     <a:lstStyle/>
                     <a:p>
-                      <a:r>
-                        <a:rPr lang="pt-BR" sz="1600" dirty="0"/>
-                        <a:t>Esperado</a:t>
-                      </a:r>
+                      <a:endParaRPr lang="pt-BR" sz="1600" b="0" i="0" kern="1200" dirty="0">
+                        <a:solidFill>
+                          <a:schemeClr val="dk1"/>
+                        </a:solidFill>
+                        <a:effectLst/>
+                        <a:latin typeface="+mn-lt"/>
+                        <a:ea typeface="+mn-ea"/>
+                        <a:cs typeface="+mn-cs"/>
+                      </a:endParaRPr>
+                    </a:p>
+                  </a:txBody>
+                  <a:tcPr/>
+                </a:tc>
+                <a:tc>
+                  <a:txBody>
+                    <a:bodyPr/>
+                    <a:lstStyle/>
+                    <a:p>
+                      <a:endParaRPr lang="pt-BR" sz="1600" dirty="0"/>
                     </a:p>
                   </a:txBody>
                   <a:tcPr/>
@@ -11618,31 +11500,6 @@
                     <a:bodyPr/>
                     <a:lstStyle/>
                     <a:p>
-                      <a:r>
-                        <a:rPr lang="pt-BR" sz="1600" dirty="0"/>
-                        <a:t>10.132.32.23</a:t>
-                      </a:r>
-                    </a:p>
-                  </a:txBody>
-                  <a:tcPr/>
-                </a:tc>
-                <a:tc>
-                  <a:txBody>
-                    <a:bodyPr/>
-                    <a:lstStyle/>
-                    <a:p>
-                      <a:r>
-                        <a:rPr lang="pt-BR" sz="1600" b="0" i="0" kern="1200" dirty="0">
-                          <a:solidFill>
-                            <a:schemeClr val="dk1"/>
-                          </a:solidFill>
-                          <a:effectLst/>
-                          <a:latin typeface="+mn-lt"/>
-                          <a:ea typeface="+mn-ea"/>
-                          <a:cs typeface="+mn-cs"/>
-                        </a:rPr>
-                        <a:t>e111102vmp02-vip.exadata.prevnet</a:t>
-                      </a:r>
                       <a:endParaRPr lang="pt-BR" sz="1600" dirty="0"/>
                     </a:p>
                   </a:txBody>
@@ -11653,10 +11510,25 @@
                     <a:bodyPr/>
                     <a:lstStyle/>
                     <a:p>
-                      <a:r>
-                        <a:rPr lang="pt-BR" sz="1600" dirty="0"/>
-                        <a:t>Esperado</a:t>
-                      </a:r>
+                      <a:endParaRPr lang="pt-BR" sz="1600" b="0" i="0" kern="1200" dirty="0">
+                        <a:solidFill>
+                          <a:schemeClr val="dk1"/>
+                        </a:solidFill>
+                        <a:effectLst/>
+                        <a:latin typeface="+mn-lt"/>
+                        <a:ea typeface="+mn-ea"/>
+                        <a:cs typeface="+mn-cs"/>
+                      </a:endParaRPr>
+                    </a:p>
+                  </a:txBody>
+                  <a:tcPr/>
+                </a:tc>
+                <a:tc>
+                  <a:txBody>
+                    <a:bodyPr/>
+                    <a:lstStyle/>
+                    <a:p>
+                      <a:endParaRPr lang="pt-BR" sz="1600" dirty="0"/>
                     </a:p>
                   </a:txBody>
                   <a:tcPr/>
@@ -13431,36 +13303,6 @@
           </a:p>
         </p:txBody>
       </p:sp>
-      <p:pic>
-        <p:nvPicPr>
-          <p:cNvPr id="2" name="Imagem 1">
-            <a:extLst>
-              <a:ext uri="{FF2B5EF4-FFF2-40B4-BE49-F238E27FC236}">
-                <a16:creationId xmlns:a16="http://schemas.microsoft.com/office/drawing/2014/main" id="{613E37C0-B698-4239-8101-6D636E5BEEE7}"/>
-              </a:ext>
-            </a:extLst>
-          </p:cNvPr>
-          <p:cNvPicPr>
-            <a:picLocks noChangeAspect="1"/>
-          </p:cNvPicPr>
-          <p:nvPr/>
-        </p:nvPicPr>
-        <p:blipFill>
-          <a:blip r:embed="rId3"/>
-          <a:stretch>
-            <a:fillRect/>
-          </a:stretch>
-        </p:blipFill>
-        <p:spPr>
-          <a:xfrm>
-            <a:off x="790575" y="1966912"/>
-            <a:ext cx="7562850" cy="2924175"/>
-          </a:xfrm>
-          <a:prstGeom prst="rect">
-            <a:avLst/>
-          </a:prstGeom>
-        </p:spPr>
-      </p:pic>
     </p:spTree>
   </p:cSld>
   <p:clrMapOvr>
@@ -14383,7 +14225,7 @@
           </a:extLst>
         </p:spPr>
         <p:txBody>
-          <a:bodyPr lIns="90000" tIns="46800" rIns="90000" bIns="46800"/>
+          <a:bodyPr lIns="90000" tIns="46800" rIns="90000" bIns="46800" anchor="t"/>
           <a:lstStyle>
             <a:lvl1pPr>
               <a:spcBef>
@@ -14764,50 +14606,25 @@
                 <a:spcPct val="0"/>
               </a:spcBef>
               <a:buClrTx/>
-              <a:buFontTx/>
-              <a:buNone/>
             </a:pPr>
             <a:r>
-              <a:rPr lang="pt-BR" altLang="pt-BR" sz="2200" b="1" dirty="0">
+              <a:rPr lang="pt-BR" altLang="pt-BR" sz="2200" b="1">
                 <a:solidFill>
                   <a:srgbClr val="035D93"/>
                 </a:solidFill>
+                <a:latin typeface="Segoe UI"/>
+                <a:cs typeface="Arial"/>
               </a:rPr>
-              <a:t>Volume de Ataques barrados pelo WAF</a:t>
+              <a:t>Volume de Ataques barrados pelo WAF Timeline</a:t>
             </a:r>
+            <a:endParaRPr lang="pt-BR" altLang="pt-BR" sz="2200" b="1" dirty="0">
+              <a:solidFill>
+                <a:srgbClr val="035D93"/>
+              </a:solidFill>
+            </a:endParaRPr>
           </a:p>
         </p:txBody>
       </p:sp>
-      <p:pic>
-        <p:nvPicPr>
-          <p:cNvPr id="2" name="Imagem 1">
-            <a:extLst>
-              <a:ext uri="{FF2B5EF4-FFF2-40B4-BE49-F238E27FC236}">
-                <a16:creationId xmlns:a16="http://schemas.microsoft.com/office/drawing/2014/main" id="{509F4C72-867E-4C2D-8887-8B188CA317B2}"/>
-              </a:ext>
-            </a:extLst>
-          </p:cNvPr>
-          <p:cNvPicPr>
-            <a:picLocks noChangeAspect="1"/>
-          </p:cNvPicPr>
-          <p:nvPr/>
-        </p:nvPicPr>
-        <p:blipFill>
-          <a:blip r:embed="rId3"/>
-          <a:stretch>
-            <a:fillRect/>
-          </a:stretch>
-        </p:blipFill>
-        <p:spPr>
-          <a:xfrm>
-            <a:off x="771525" y="1252537"/>
-            <a:ext cx="7600950" cy="4352925"/>
-          </a:xfrm>
-          <a:prstGeom prst="rect">
-            <a:avLst/>
-          </a:prstGeom>
-        </p:spPr>
-      </p:pic>
     </p:spTree>
   </p:cSld>
   <p:clrMapOvr>
@@ -16510,36 +16327,6 @@
           </a:p>
         </p:txBody>
       </p:sp>
-      <p:pic>
-        <p:nvPicPr>
-          <p:cNvPr id="2" name="Imagem 1">
-            <a:extLst>
-              <a:ext uri="{FF2B5EF4-FFF2-40B4-BE49-F238E27FC236}">
-                <a16:creationId xmlns:a16="http://schemas.microsoft.com/office/drawing/2014/main" id="{989FFFB2-9413-4B1A-9711-EC071DC6B009}"/>
-              </a:ext>
-            </a:extLst>
-          </p:cNvPr>
-          <p:cNvPicPr>
-            <a:picLocks noChangeAspect="1"/>
-          </p:cNvPicPr>
-          <p:nvPr/>
-        </p:nvPicPr>
-        <p:blipFill>
-          <a:blip r:embed="rId3"/>
-          <a:stretch>
-            <a:fillRect/>
-          </a:stretch>
-        </p:blipFill>
-        <p:spPr>
-          <a:xfrm>
-            <a:off x="757237" y="1209675"/>
-            <a:ext cx="7629525" cy="4438650"/>
-          </a:xfrm>
-          <a:prstGeom prst="rect">
-            <a:avLst/>
-          </a:prstGeom>
-        </p:spPr>
-      </p:pic>
     </p:spTree>
   </p:cSld>
   <p:clrMapOvr>
@@ -18226,36 +18013,6 @@
           </a:p>
         </p:txBody>
       </p:sp>
-      <p:pic>
-        <p:nvPicPr>
-          <p:cNvPr id="2" name="Imagem 1">
-            <a:extLst>
-              <a:ext uri="{FF2B5EF4-FFF2-40B4-BE49-F238E27FC236}">
-                <a16:creationId xmlns:a16="http://schemas.microsoft.com/office/drawing/2014/main" id="{4F79E277-B2C6-4706-BC96-265B8FE84357}"/>
-              </a:ext>
-            </a:extLst>
-          </p:cNvPr>
-          <p:cNvPicPr>
-            <a:picLocks noChangeAspect="1"/>
-          </p:cNvPicPr>
-          <p:nvPr/>
-        </p:nvPicPr>
-        <p:blipFill>
-          <a:blip r:embed="rId3"/>
-          <a:stretch>
-            <a:fillRect/>
-          </a:stretch>
-        </p:blipFill>
-        <p:spPr>
-          <a:xfrm>
-            <a:off x="762000" y="1271587"/>
-            <a:ext cx="7620000" cy="4314825"/>
-          </a:xfrm>
-          <a:prstGeom prst="rect">
-            <a:avLst/>
-          </a:prstGeom>
-        </p:spPr>
-      </p:pic>
     </p:spTree>
   </p:cSld>
   <p:clrMapOvr>
@@ -19500,36 +19257,6 @@
           </a:p>
         </p:txBody>
       </p:sp>
-      <p:pic>
-        <p:nvPicPr>
-          <p:cNvPr id="3" name="Imagem 2">
-            <a:extLst>
-              <a:ext uri="{FF2B5EF4-FFF2-40B4-BE49-F238E27FC236}">
-                <a16:creationId xmlns:a16="http://schemas.microsoft.com/office/drawing/2014/main" id="{CCA2FCD8-9B3E-4274-9D22-8128519D06D4}"/>
-              </a:ext>
-            </a:extLst>
-          </p:cNvPr>
-          <p:cNvPicPr>
-            <a:picLocks noChangeAspect="1"/>
-          </p:cNvPicPr>
-          <p:nvPr/>
-        </p:nvPicPr>
-        <p:blipFill>
-          <a:blip r:embed="rId3"/>
-          <a:stretch>
-            <a:fillRect/>
-          </a:stretch>
-        </p:blipFill>
-        <p:spPr>
-          <a:xfrm>
-            <a:off x="733425" y="1223962"/>
-            <a:ext cx="7677150" cy="4410075"/>
-          </a:xfrm>
-          <a:prstGeom prst="rect">
-            <a:avLst/>
-          </a:prstGeom>
-        </p:spPr>
-      </p:pic>
     </p:spTree>
   </p:cSld>
   <p:clrMapOvr>
@@ -22167,14 +21894,14 @@
           <p:nvPr>
             <p:extLst>
               <p:ext uri="{D42A27DB-BD31-4B8C-83A1-F6EECF244321}">
-                <p14:modId xmlns:p14="http://schemas.microsoft.com/office/powerpoint/2010/main" val="2409820646"/>
+                <p14:modId xmlns:p14="http://schemas.microsoft.com/office/powerpoint/2010/main" val="2486430659"/>
               </p:ext>
             </p:extLst>
           </p:nvPr>
         </p:nvGraphicFramePr>
         <p:xfrm>
           <a:off x="323528" y="764704"/>
-          <a:ext cx="8568952" cy="4827270"/>
+          <a:ext cx="8568952" cy="3337560"/>
         </p:xfrm>
         <a:graphic>
           <a:graphicData uri="http://schemas.openxmlformats.org/drawingml/2006/table">
@@ -22241,15 +21968,15 @@
                     <a:p>
                       <a:pPr algn="l"/>
                       <a:r>
-                        <a:rPr lang="pt-BR" sz="1400" b="1">
+                        <a:rPr lang="pt-BR" sz="1400" b="1" dirty="0">
                           <a:effectLst/>
-                          <a:latin typeface="Liberation Sans" panose="020B0604020202020204" pitchFamily="34" charset="0"/>
+                          <a:latin typeface="Liberation Sans"/>
                         </a:rPr>
                         <a:t>USER.DST</a:t>
                       </a:r>
-                      <a:endParaRPr lang="pt-BR" sz="1400">
+                      <a:endParaRPr lang="pt-BR" sz="1400" dirty="0">
                         <a:effectLst/>
-                        <a:latin typeface="Liberation Sans" panose="020B0604020202020204" pitchFamily="34" charset="0"/>
+                        <a:latin typeface="Liberation Sans"/>
                       </a:endParaRPr>
                     </a:p>
                   </a:txBody>
@@ -22262,15 +21989,15 @@
                     <a:p>
                       <a:pPr algn="l"/>
                       <a:r>
-                        <a:rPr lang="pt-BR" sz="1400" b="1">
+                        <a:rPr lang="pt-BR" sz="1400" b="1" dirty="0">
                           <a:effectLst/>
-                          <a:latin typeface="Liberation Sans" panose="020B0604020202020204" pitchFamily="34" charset="0"/>
+                          <a:latin typeface="Liberation Sans"/>
                         </a:rPr>
                         <a:t>COUNTRY.SRC</a:t>
                       </a:r>
-                      <a:endParaRPr lang="pt-BR" sz="1400">
+                      <a:endParaRPr lang="pt-BR" sz="1400" dirty="0">
                         <a:effectLst/>
-                        <a:latin typeface="Liberation Sans" panose="020B0604020202020204" pitchFamily="34" charset="0"/>
+                        <a:latin typeface="Liberation Sans"/>
                       </a:endParaRPr>
                     </a:p>
                   </a:txBody>
@@ -22310,13 +22037,10 @@
                     <a:lstStyle/>
                     <a:p>
                       <a:pPr algn="l" fontAlgn="b"/>
-                      <a:r>
-                        <a:rPr lang="pt-BR" sz="1600" b="0" i="0" u="none" strike="noStrike" dirty="0">
-                          <a:effectLst/>
-                          <a:latin typeface="Arial" panose="020B0604020202020204" pitchFamily="34" charset="0"/>
-                        </a:rPr>
-                        <a:t>181.164.114.44</a:t>
-                      </a:r>
+                      <a:endParaRPr lang="pt-BR" sz="1600" b="0" i="0" u="none" strike="noStrike" dirty="0">
+                        <a:effectLst/>
+                        <a:latin typeface="Arial"/>
+                      </a:endParaRPr>
                     </a:p>
                   </a:txBody>
                   <a:tcPr marL="9525" marR="9525" marT="9525" marB="0" anchor="ctr"/>
@@ -22327,13 +22051,10 @@
                     <a:lstStyle/>
                     <a:p>
                       <a:pPr algn="l" fontAlgn="b"/>
-                      <a:r>
-                        <a:rPr lang="pt-BR" sz="1600" b="0" i="0" u="none" strike="noStrike">
-                          <a:effectLst/>
-                          <a:latin typeface="Arial" panose="020B0604020202020204" pitchFamily="34" charset="0"/>
-                        </a:rPr>
-                        <a:t>jac.castagnaro@dataprev.gov.br</a:t>
-                      </a:r>
+                      <a:endParaRPr lang="pt-BR" sz="1600" b="0" i="0" u="none" strike="noStrike" dirty="0">
+                        <a:effectLst/>
+                        <a:latin typeface="Arial"/>
+                      </a:endParaRPr>
                     </a:p>
                   </a:txBody>
                   <a:tcPr marL="9525" marR="9525" marT="9525" marB="0" anchor="ctr"/>
@@ -22344,13 +22065,10 @@
                     <a:lstStyle/>
                     <a:p>
                       <a:pPr algn="l" fontAlgn="b"/>
-                      <a:r>
-                        <a:rPr lang="pt-BR" sz="1600" b="0" i="0" u="none" strike="noStrike">
-                          <a:effectLst/>
-                          <a:latin typeface="Arial" panose="020B0604020202020204" pitchFamily="34" charset="0"/>
-                        </a:rPr>
-                        <a:t>Argentina</a:t>
-                      </a:r>
+                      <a:endParaRPr lang="pt-BR" sz="1600" b="0" i="0" u="none" strike="noStrike" dirty="0">
+                        <a:effectLst/>
+                        <a:latin typeface="Arial"/>
+                      </a:endParaRPr>
                     </a:p>
                   </a:txBody>
                   <a:tcPr marL="9525" marR="9525" marT="9525" marB="0" anchor="ctr"/>
@@ -22382,13 +22100,10 @@
                     <a:lstStyle/>
                     <a:p>
                       <a:pPr algn="l" fontAlgn="b"/>
-                      <a:r>
-                        <a:rPr lang="pt-BR" sz="1600" b="0" i="0" u="none" strike="noStrike" dirty="0">
-                          <a:effectLst/>
-                          <a:latin typeface="Arial" panose="020B0604020202020204" pitchFamily="34" charset="0"/>
-                        </a:rPr>
-                        <a:t>99.230.49.8</a:t>
-                      </a:r>
+                      <a:endParaRPr lang="pt-BR" sz="1600" b="0" i="0" u="none" strike="noStrike" dirty="0">
+                        <a:effectLst/>
+                        <a:latin typeface="Arial"/>
+                      </a:endParaRPr>
                     </a:p>
                   </a:txBody>
                   <a:tcPr marL="9525" marR="9525" marT="9525" marB="0" anchor="ctr"/>
@@ -22399,13 +22114,10 @@
                     <a:lstStyle/>
                     <a:p>
                       <a:pPr algn="l" fontAlgn="b"/>
-                      <a:r>
-                        <a:rPr lang="pt-BR" sz="1600" b="0" i="0" u="none" strike="noStrike" dirty="0">
-                          <a:effectLst/>
-                          <a:latin typeface="Arial" panose="020B0604020202020204" pitchFamily="34" charset="0"/>
-                        </a:rPr>
-                        <a:t>isabella.guedes@inss.gov.br</a:t>
-                      </a:r>
+                      <a:endParaRPr lang="pt-BR" sz="1600" b="0" i="0" u="none" strike="noStrike" dirty="0">
+                        <a:effectLst/>
+                        <a:latin typeface="Arial"/>
+                      </a:endParaRPr>
                     </a:p>
                   </a:txBody>
                   <a:tcPr marL="9525" marR="9525" marT="9525" marB="0" anchor="ctr"/>
@@ -22416,13 +22128,10 @@
                     <a:lstStyle/>
                     <a:p>
                       <a:pPr algn="l" fontAlgn="b"/>
-                      <a:r>
-                        <a:rPr lang="pt-BR" sz="1600" b="0" i="0" u="none" strike="noStrike">
-                          <a:effectLst/>
-                          <a:latin typeface="Arial" panose="020B0604020202020204" pitchFamily="34" charset="0"/>
-                        </a:rPr>
-                        <a:t>Canada,CA</a:t>
-                      </a:r>
+                      <a:endParaRPr lang="pt-BR" sz="1600" b="0" i="0" u="none" strike="noStrike" dirty="0">
+                        <a:effectLst/>
+                        <a:latin typeface="Arial"/>
+                      </a:endParaRPr>
                     </a:p>
                   </a:txBody>
                   <a:tcPr marL="9525" marR="9525" marT="9525" marB="0" anchor="ctr"/>
@@ -22433,13 +22142,10 @@
                     <a:lstStyle/>
                     <a:p>
                       <a:pPr algn="l" fontAlgn="b"/>
-                      <a:r>
-                        <a:rPr lang="en-US" sz="1600" b="0" i="0" u="none" strike="noStrike">
-                          <a:effectLst/>
-                          <a:latin typeface="Arial" panose="020B0604020202020204" pitchFamily="34" charset="0"/>
-                        </a:rPr>
-                        <a:t>"Microsoft Windows 10 Home Single Language , 64-bit"</a:t>
-                      </a:r>
+                      <a:endParaRPr lang="en-US" sz="1600" b="0" i="0" u="none" strike="noStrike" dirty="0">
+                        <a:effectLst/>
+                        <a:latin typeface="Arial"/>
+                      </a:endParaRPr>
                     </a:p>
                   </a:txBody>
                   <a:tcPr marL="9525" marR="9525" marT="9525" marB="0" anchor="ctr"/>
@@ -22457,13 +22163,10 @@
                     <a:lstStyle/>
                     <a:p>
                       <a:pPr algn="l" fontAlgn="b"/>
-                      <a:r>
-                        <a:rPr lang="pt-BR" sz="1600" b="0" i="0" u="none" strike="noStrike">
-                          <a:effectLst/>
-                          <a:latin typeface="Arial" panose="020B0604020202020204" pitchFamily="34" charset="0"/>
-                        </a:rPr>
-                        <a:t>191.97.100.118</a:t>
-                      </a:r>
+                      <a:endParaRPr lang="pt-BR" sz="1600" b="0" i="0" u="none" strike="noStrike" dirty="0">
+                        <a:effectLst/>
+                        <a:latin typeface="Arial"/>
+                      </a:endParaRPr>
                     </a:p>
                   </a:txBody>
                   <a:tcPr marL="9525" marR="9525" marT="9525" marB="0" anchor="ctr"/>
@@ -22474,13 +22177,10 @@
                     <a:lstStyle/>
                     <a:p>
                       <a:pPr algn="l" fontAlgn="b"/>
-                      <a:r>
-                        <a:rPr lang="pt-BR" sz="1600" b="0" i="0" u="none" strike="noStrike" dirty="0">
-                          <a:effectLst/>
-                          <a:latin typeface="Arial" panose="020B0604020202020204" pitchFamily="34" charset="0"/>
-                        </a:rPr>
-                        <a:t>victor.pinheiro@inss.gov.br</a:t>
-                      </a:r>
+                      <a:endParaRPr lang="pt-BR" sz="1600" b="0" i="0" u="none" strike="noStrike" dirty="0">
+                        <a:effectLst/>
+                        <a:latin typeface="Arial"/>
+                      </a:endParaRPr>
                     </a:p>
                   </a:txBody>
                   <a:tcPr marL="9525" marR="9525" marT="9525" marB="0" anchor="ctr"/>
@@ -22491,13 +22191,6 @@
                     <a:lstStyle/>
                     <a:p>
                       <a:pPr algn="l" fontAlgn="b"/>
-                      <a:r>
-                        <a:rPr lang="pt-BR" sz="1600" b="0" i="0" u="none" strike="noStrike" dirty="0" err="1">
-                          <a:effectLst/>
-                          <a:latin typeface="Arial" panose="020B0604020202020204" pitchFamily="34" charset="0"/>
-                        </a:rPr>
-                        <a:t>Colombia,PE</a:t>
-                      </a:r>
                       <a:endParaRPr lang="pt-BR" sz="1600" b="0" i="0" u="none" strike="noStrike" dirty="0">
                         <a:effectLst/>
                         <a:latin typeface="Arial" panose="020B0604020202020204" pitchFamily="34" charset="0"/>
@@ -22512,13 +22205,10 @@
                     <a:lstStyle/>
                     <a:p>
                       <a:pPr algn="l" fontAlgn="b"/>
-                      <a:r>
-                        <a:rPr lang="en-US" sz="1600" b="0" i="0" u="none" strike="noStrike">
-                          <a:effectLst/>
-                          <a:latin typeface="Arial" panose="020B0604020202020204" pitchFamily="34" charset="0"/>
-                        </a:rPr>
-                        <a:t>"Microsoft Windows 7 Ultimate Edition Service Pack 1, 64-bit"</a:t>
-                      </a:r>
+                      <a:endParaRPr lang="en-US" sz="1600" b="0" i="0" u="none" strike="noStrike" dirty="0">
+                        <a:effectLst/>
+                        <a:latin typeface="Arial"/>
+                      </a:endParaRPr>
                     </a:p>
                   </a:txBody>
                   <a:tcPr marL="9525" marR="9525" marT="9525" marB="0" anchor="ctr"/>
@@ -22536,13 +22226,10 @@
                     <a:lstStyle/>
                     <a:p>
                       <a:pPr algn="l" fontAlgn="b"/>
-                      <a:r>
-                        <a:rPr lang="pt-BR" sz="1600" b="0" i="0" u="none" strike="noStrike">
-                          <a:effectLst/>
-                          <a:latin typeface="Arial" panose="020B0604020202020204" pitchFamily="34" charset="0"/>
-                        </a:rPr>
-                        <a:t>82.155.173.150</a:t>
-                      </a:r>
+                      <a:endParaRPr lang="pt-BR" sz="1600" b="0" i="0" u="none" strike="noStrike" dirty="0">
+                        <a:effectLst/>
+                        <a:latin typeface="Arial"/>
+                      </a:endParaRPr>
                     </a:p>
                   </a:txBody>
                   <a:tcPr marL="9525" marR="9525" marT="9525" marB="0" anchor="ctr"/>
@@ -22553,13 +22240,10 @@
                     <a:lstStyle/>
                     <a:p>
                       <a:pPr algn="l" fontAlgn="b"/>
-                      <a:r>
-                        <a:rPr lang="pt-BR" sz="1600" b="0" i="0" u="none" strike="noStrike" dirty="0">
-                          <a:effectLst/>
-                          <a:latin typeface="Arial" panose="020B0604020202020204" pitchFamily="34" charset="0"/>
-                        </a:rPr>
-                        <a:t>alvaro.teixeira@dataprev.gov.br</a:t>
-                      </a:r>
+                      <a:endParaRPr lang="pt-BR" sz="1600" b="0" i="0" u="none" strike="noStrike" dirty="0">
+                        <a:effectLst/>
+                        <a:latin typeface="Arial"/>
+                      </a:endParaRPr>
                     </a:p>
                   </a:txBody>
                   <a:tcPr marL="9525" marR="9525" marT="9525" marB="0" anchor="ctr"/>
@@ -22570,13 +22254,6 @@
                     <a:lstStyle/>
                     <a:p>
                       <a:pPr algn="l" fontAlgn="b"/>
-                      <a:r>
-                        <a:rPr lang="pt-BR" sz="1600" b="0" i="0" u="none" strike="noStrike" dirty="0" err="1">
-                          <a:effectLst/>
-                          <a:latin typeface="Arial" panose="020B0604020202020204" pitchFamily="34" charset="0"/>
-                        </a:rPr>
-                        <a:t>Portugal,PT</a:t>
-                      </a:r>
                       <a:endParaRPr lang="pt-BR" sz="1600" b="0" i="0" u="none" strike="noStrike" dirty="0">
                         <a:effectLst/>
                         <a:latin typeface="Arial" panose="020B0604020202020204" pitchFamily="34" charset="0"/>
@@ -22591,13 +22268,10 @@
                     <a:lstStyle/>
                     <a:p>
                       <a:pPr algn="l" fontAlgn="b"/>
-                      <a:r>
-                        <a:rPr lang="pt-BR" sz="1600" b="0" i="0" u="none" strike="noStrike">
-                          <a:effectLst/>
-                          <a:latin typeface="Arial" panose="020B0604020202020204" pitchFamily="34" charset="0"/>
-                        </a:rPr>
-                        <a:t>"Microsoft Windows 10 Pro , 64-bit"</a:t>
-                      </a:r>
+                      <a:endParaRPr lang="pt-BR" sz="1600" b="0" i="0" u="none" strike="noStrike" dirty="0">
+                        <a:effectLst/>
+                        <a:latin typeface="Arial"/>
+                      </a:endParaRPr>
                     </a:p>
                   </a:txBody>
                   <a:tcPr marL="9525" marR="9525" marT="9525" marB="0" anchor="ctr"/>
@@ -22615,13 +22289,10 @@
                     <a:lstStyle/>
                     <a:p>
                       <a:pPr algn="l" fontAlgn="b"/>
-                      <a:r>
-                        <a:rPr lang="pt-BR" sz="1600" b="0" i="0" u="none" strike="noStrike">
-                          <a:effectLst/>
-                          <a:latin typeface="Arial" panose="020B0604020202020204" pitchFamily="34" charset="0"/>
-                        </a:rPr>
-                        <a:t>188.83.240.13</a:t>
-                      </a:r>
+                      <a:endParaRPr lang="pt-BR" sz="1600" b="0" i="0" u="none" strike="noStrike" dirty="0">
+                        <a:effectLst/>
+                        <a:latin typeface="Arial"/>
+                      </a:endParaRPr>
                     </a:p>
                   </a:txBody>
                   <a:tcPr marL="9525" marR="9525" marT="9525" marB="0" anchor="ctr"/>
@@ -22632,13 +22303,10 @@
                     <a:lstStyle/>
                     <a:p>
                       <a:pPr algn="l" fontAlgn="b"/>
-                      <a:r>
-                        <a:rPr lang="pt-BR" sz="1600" b="0" i="0" u="none" strike="noStrike">
-                          <a:effectLst/>
-                          <a:latin typeface="Arial" panose="020B0604020202020204" pitchFamily="34" charset="0"/>
-                        </a:rPr>
-                        <a:t>danisio.cavalcante@inss.gov.br</a:t>
-                      </a:r>
+                      <a:endParaRPr lang="pt-BR" sz="1600" b="0" i="0" u="none" strike="noStrike" dirty="0">
+                        <a:effectLst/>
+                        <a:latin typeface="Arial"/>
+                      </a:endParaRPr>
                     </a:p>
                   </a:txBody>
                   <a:tcPr marL="9525" marR="9525" marT="9525" marB="0" anchor="ctr"/>
@@ -22649,13 +22317,6 @@
                     <a:lstStyle/>
                     <a:p>
                       <a:pPr algn="l" fontAlgn="b"/>
-                      <a:r>
-                        <a:rPr lang="pt-BR" sz="1600" b="0" i="0" u="none" strike="noStrike" dirty="0" err="1">
-                          <a:effectLst/>
-                          <a:latin typeface="Arial" panose="020B0604020202020204" pitchFamily="34" charset="0"/>
-                        </a:rPr>
-                        <a:t>Portugal,PT</a:t>
-                      </a:r>
                       <a:endParaRPr lang="pt-BR" sz="1600" b="0" i="0" u="none" strike="noStrike" dirty="0">
                         <a:effectLst/>
                         <a:latin typeface="Arial" panose="020B0604020202020204" pitchFamily="34" charset="0"/>
@@ -22670,13 +22331,10 @@
                     <a:lstStyle/>
                     <a:p>
                       <a:pPr algn="l" fontAlgn="b"/>
-                      <a:r>
-                        <a:rPr lang="en-US" sz="1600" b="0" i="0" u="none" strike="noStrike">
-                          <a:effectLst/>
-                          <a:latin typeface="Arial" panose="020B0604020202020204" pitchFamily="34" charset="0"/>
-                        </a:rPr>
-                        <a:t>"Microsoft Windows 10 Home , 64-bit"</a:t>
-                      </a:r>
+                      <a:endParaRPr lang="en-US" sz="1600" b="0" i="0" u="none" strike="noStrike" dirty="0">
+                        <a:effectLst/>
+                        <a:latin typeface="Arial"/>
+                      </a:endParaRPr>
                     </a:p>
                   </a:txBody>
                   <a:tcPr marL="9525" marR="9525" marT="9525" marB="0" anchor="ctr"/>
@@ -22694,13 +22352,10 @@
                     <a:lstStyle/>
                     <a:p>
                       <a:pPr algn="l" fontAlgn="b"/>
-                      <a:r>
-                        <a:rPr lang="pt-BR" sz="1600" b="0" i="0" u="none" strike="noStrike">
-                          <a:effectLst/>
-                          <a:latin typeface="Arial" panose="020B0604020202020204" pitchFamily="34" charset="0"/>
-                        </a:rPr>
-                        <a:t>23.83.132.154</a:t>
-                      </a:r>
+                      <a:endParaRPr lang="pt-BR" sz="1600" b="0" i="0" u="none" strike="noStrike" dirty="0">
+                        <a:effectLst/>
+                        <a:latin typeface="Arial"/>
+                      </a:endParaRPr>
                     </a:p>
                   </a:txBody>
                   <a:tcPr marL="9525" marR="9525" marT="9525" marB="0" anchor="ctr"/>
@@ -22711,13 +22366,10 @@
                     <a:lstStyle/>
                     <a:p>
                       <a:pPr algn="l" fontAlgn="b"/>
-                      <a:r>
-                        <a:rPr lang="pt-BR" sz="1600" b="0" i="0" u="none" strike="noStrike">
-                          <a:effectLst/>
-                          <a:latin typeface="Arial" panose="020B0604020202020204" pitchFamily="34" charset="0"/>
-                        </a:rPr>
-                        <a:t>cristiane.dematte@inss.gov.br</a:t>
-                      </a:r>
+                      <a:endParaRPr lang="pt-BR" sz="1600" b="0" i="0" u="none" strike="noStrike" dirty="0">
+                        <a:effectLst/>
+                        <a:latin typeface="Arial"/>
+                      </a:endParaRPr>
                     </a:p>
                   </a:txBody>
                   <a:tcPr marL="9525" marR="9525" marT="9525" marB="0" anchor="ctr"/>
@@ -22728,20 +22380,6 @@
                     <a:lstStyle/>
                     <a:p>
                       <a:pPr algn="l" fontAlgn="b"/>
-                      <a:r>
-                        <a:rPr lang="pt-BR" sz="1600" b="0" i="0" u="none" strike="noStrike" dirty="0">
-                          <a:effectLst/>
-                          <a:latin typeface="Arial" panose="020B0604020202020204" pitchFamily="34" charset="0"/>
-                        </a:rPr>
-                        <a:t>United </a:t>
-                      </a:r>
-                      <a:r>
-                        <a:rPr lang="pt-BR" sz="1600" b="0" i="0" u="none" strike="noStrike" dirty="0" err="1">
-                          <a:effectLst/>
-                          <a:latin typeface="Arial" panose="020B0604020202020204" pitchFamily="34" charset="0"/>
-                        </a:rPr>
-                        <a:t>States</a:t>
-                      </a:r>
                       <a:endParaRPr lang="pt-BR" sz="1600" b="0" i="0" u="none" strike="noStrike" dirty="0">
                         <a:effectLst/>
                         <a:latin typeface="Arial" panose="020B0604020202020204" pitchFamily="34" charset="0"/>
@@ -22777,13 +22415,10 @@
                     <a:lstStyle/>
                     <a:p>
                       <a:pPr algn="l" fontAlgn="b"/>
-                      <a:r>
-                        <a:rPr lang="pt-BR" sz="1600" b="0" i="0" u="none" strike="noStrike">
-                          <a:effectLst/>
-                          <a:latin typeface="Arial" panose="020B0604020202020204" pitchFamily="34" charset="0"/>
-                        </a:rPr>
-                        <a:t>156.146.38.137</a:t>
-                      </a:r>
+                      <a:endParaRPr lang="pt-BR" sz="1600" b="0" i="0" u="none" strike="noStrike" dirty="0">
+                        <a:effectLst/>
+                        <a:latin typeface="Arial"/>
+                      </a:endParaRPr>
                     </a:p>
                   </a:txBody>
                   <a:tcPr marL="9525" marR="9525" marT="9525" marB="0" anchor="ctr"/>
@@ -22794,13 +22429,10 @@
                     <a:lstStyle/>
                     <a:p>
                       <a:pPr algn="l" fontAlgn="b"/>
-                      <a:r>
-                        <a:rPr lang="pt-BR" sz="1600" b="0" i="0" u="none" strike="noStrike">
-                          <a:effectLst/>
-                          <a:latin typeface="Arial" panose="020B0604020202020204" pitchFamily="34" charset="0"/>
-                        </a:rPr>
-                        <a:t>kewlly.mendes@inss.gov.br</a:t>
-                      </a:r>
+                      <a:endParaRPr lang="pt-BR" sz="1600" b="0" i="0" u="none" strike="noStrike" dirty="0">
+                        <a:effectLst/>
+                        <a:latin typeface="Arial"/>
+                      </a:endParaRPr>
                     </a:p>
                   </a:txBody>
                   <a:tcPr marL="9525" marR="9525" marT="9525" marB="0" anchor="ctr"/>
@@ -22811,20 +22443,6 @@
                     <a:lstStyle/>
                     <a:p>
                       <a:pPr algn="l" fontAlgn="b"/>
-                      <a:r>
-                        <a:rPr lang="pt-BR" sz="1600" b="0" i="0" u="none" strike="noStrike" dirty="0">
-                          <a:effectLst/>
-                          <a:latin typeface="Arial" panose="020B0604020202020204" pitchFamily="34" charset="0"/>
-                        </a:rPr>
-                        <a:t>United </a:t>
-                      </a:r>
-                      <a:r>
-                        <a:rPr lang="pt-BR" sz="1600" b="0" i="0" u="none" strike="noStrike" dirty="0" err="1">
-                          <a:effectLst/>
-                          <a:latin typeface="Arial" panose="020B0604020202020204" pitchFamily="34" charset="0"/>
-                        </a:rPr>
-                        <a:t>States,US</a:t>
-                      </a:r>
                       <a:endParaRPr lang="pt-BR" sz="1600" b="0" i="0" u="none" strike="noStrike" dirty="0">
                         <a:effectLst/>
                         <a:latin typeface="Arial" panose="020B0604020202020204" pitchFamily="34" charset="0"/>
@@ -22839,13 +22457,10 @@
                     <a:lstStyle/>
                     <a:p>
                       <a:pPr algn="l" fontAlgn="b"/>
-                      <a:r>
-                        <a:rPr lang="pt-BR" sz="1600" b="0" i="0" u="none" strike="noStrike">
-                          <a:effectLst/>
-                          <a:latin typeface="Arial" panose="020B0604020202020204" pitchFamily="34" charset="0"/>
-                        </a:rPr>
-                        <a:t>"Microsoft Windows 10 Pro , 64-bit"</a:t>
-                      </a:r>
+                      <a:endParaRPr lang="pt-BR" sz="1600" b="0" i="0" u="none" strike="noStrike" dirty="0">
+                        <a:effectLst/>
+                        <a:latin typeface="Arial"/>
+                      </a:endParaRPr>
                     </a:p>
                   </a:txBody>
                   <a:tcPr marL="9525" marR="9525" marT="9525" marB="0" anchor="ctr"/>
@@ -22863,13 +22478,10 @@
                     <a:lstStyle/>
                     <a:p>
                       <a:pPr algn="l" fontAlgn="b"/>
-                      <a:r>
-                        <a:rPr lang="pt-BR" sz="1600" b="0" i="0" u="none" strike="noStrike">
-                          <a:effectLst/>
-                          <a:latin typeface="Arial" panose="020B0604020202020204" pitchFamily="34" charset="0"/>
-                        </a:rPr>
-                        <a:t>75.38.23.213</a:t>
-                      </a:r>
+                      <a:endParaRPr lang="pt-BR" sz="1600" b="0" i="0" u="none" strike="noStrike" dirty="0">
+                        <a:effectLst/>
+                        <a:latin typeface="Arial"/>
+                      </a:endParaRPr>
                     </a:p>
                   </a:txBody>
                   <a:tcPr marL="9525" marR="9525" marT="9525" marB="0" anchor="ctr"/>
@@ -22880,13 +22492,10 @@
                     <a:lstStyle/>
                     <a:p>
                       <a:pPr algn="l" fontAlgn="b"/>
-                      <a:r>
-                        <a:rPr lang="pt-BR" sz="1600" b="0" i="0" u="none" strike="noStrike">
-                          <a:effectLst/>
-                          <a:latin typeface="Arial" panose="020B0604020202020204" pitchFamily="34" charset="0"/>
-                        </a:rPr>
-                        <a:t>marcos.jose@dataprev.gov.br</a:t>
-                      </a:r>
+                      <a:endParaRPr lang="pt-BR" sz="1600" b="0" i="0" u="none" strike="noStrike" dirty="0">
+                        <a:effectLst/>
+                        <a:latin typeface="Arial"/>
+                      </a:endParaRPr>
                     </a:p>
                   </a:txBody>
                   <a:tcPr marL="9525" marR="9525" marT="9525" marB="0" anchor="ctr"/>
@@ -22897,20 +22506,6 @@
                     <a:lstStyle/>
                     <a:p>
                       <a:pPr algn="l" fontAlgn="b"/>
-                      <a:r>
-                        <a:rPr lang="pt-BR" sz="1600" b="0" i="0" u="none" strike="noStrike" dirty="0">
-                          <a:effectLst/>
-                          <a:latin typeface="Arial" panose="020B0604020202020204" pitchFamily="34" charset="0"/>
-                        </a:rPr>
-                        <a:t>United </a:t>
-                      </a:r>
-                      <a:r>
-                        <a:rPr lang="pt-BR" sz="1600" b="0" i="0" u="none" strike="noStrike" dirty="0" err="1">
-                          <a:effectLst/>
-                          <a:latin typeface="Arial" panose="020B0604020202020204" pitchFamily="34" charset="0"/>
-                        </a:rPr>
-                        <a:t>States,US</a:t>
-                      </a:r>
                       <a:endParaRPr lang="pt-BR" sz="1600" b="0" i="0" u="none" strike="noStrike" dirty="0">
                         <a:effectLst/>
                         <a:latin typeface="Arial" panose="020B0604020202020204" pitchFamily="34" charset="0"/>
@@ -22925,13 +22520,10 @@
                     <a:lstStyle/>
                     <a:p>
                       <a:pPr algn="l" fontAlgn="b"/>
-                      <a:r>
-                        <a:rPr lang="en-US" sz="1600" b="0" i="0" u="none" strike="noStrike" dirty="0">
-                          <a:effectLst/>
-                          <a:latin typeface="Arial" panose="020B0604020202020204" pitchFamily="34" charset="0"/>
-                        </a:rPr>
-                        <a:t>"Microsoft Windows 10 Home , 64-bit"</a:t>
-                      </a:r>
+                      <a:endParaRPr lang="en-US" sz="1600" b="0" i="0" u="none" strike="noStrike" dirty="0">
+                        <a:effectLst/>
+                        <a:latin typeface="Arial"/>
+                      </a:endParaRPr>
                     </a:p>
                   </a:txBody>
                   <a:tcPr marL="9525" marR="9525" marT="9525" marB="0" anchor="ctr"/>
@@ -24143,14 +23735,14 @@
           <p:nvPr>
             <p:extLst>
               <p:ext uri="{D42A27DB-BD31-4B8C-83A1-F6EECF244321}">
-                <p14:modId xmlns:p14="http://schemas.microsoft.com/office/powerpoint/2010/main" val="2104922636"/>
+                <p14:modId xmlns:p14="http://schemas.microsoft.com/office/powerpoint/2010/main" val="1358196552"/>
               </p:ext>
             </p:extLst>
           </p:nvPr>
         </p:nvGraphicFramePr>
         <p:xfrm>
           <a:off x="323528" y="764704"/>
-          <a:ext cx="8496943" cy="741680"/>
+          <a:ext cx="8496943" cy="3337547"/>
         </p:xfrm>
         <a:graphic>
           <a:graphicData uri="http://schemas.openxmlformats.org/drawingml/2006/table">
@@ -24210,15 +23802,15 @@
                     <a:p>
                       <a:pPr algn="l"/>
                       <a:r>
-                        <a:rPr lang="pt-BR" sz="1400" b="1">
+                        <a:rPr lang="pt-BR" sz="1400" b="1" dirty="0">
                           <a:effectLst/>
-                          <a:latin typeface="Liberation Sans" panose="020B0604020202020204" pitchFamily="34" charset="0"/>
+                          <a:latin typeface="Liberation Sans"/>
                         </a:rPr>
                         <a:t>USER.DST</a:t>
                       </a:r>
-                      <a:endParaRPr lang="pt-BR" sz="1400">
+                      <a:endParaRPr lang="pt-BR" sz="1400" dirty="0">
                         <a:effectLst/>
-                        <a:latin typeface="Liberation Sans" panose="020B0604020202020204" pitchFamily="34" charset="0"/>
+                        <a:latin typeface="Liberation Sans"/>
                       </a:endParaRPr>
                     </a:p>
                   </a:txBody>
@@ -24231,15 +23823,15 @@
                     <a:p>
                       <a:pPr algn="l"/>
                       <a:r>
-                        <a:rPr lang="pt-BR" sz="1400" b="1">
+                        <a:rPr lang="pt-BR" sz="1400" b="1" dirty="0">
                           <a:effectLst/>
-                          <a:latin typeface="Liberation Sans" panose="020B0604020202020204" pitchFamily="34" charset="0"/>
+                          <a:latin typeface="Liberation Sans"/>
                         </a:rPr>
                         <a:t>COUNTRY.SRC</a:t>
                       </a:r>
-                      <a:endParaRPr lang="pt-BR" sz="1400">
+                      <a:endParaRPr lang="pt-BR" sz="1400" dirty="0">
                         <a:effectLst/>
-                        <a:latin typeface="Liberation Sans" panose="020B0604020202020204" pitchFamily="34" charset="0"/>
+                        <a:latin typeface="Liberation Sans"/>
                       </a:endParaRPr>
                     </a:p>
                   </a:txBody>
@@ -24258,13 +23850,10 @@
                     <a:lstStyle/>
                     <a:p>
                       <a:pPr algn="l" fontAlgn="b"/>
-                      <a:r>
-                        <a:rPr lang="pt-BR" sz="1600" b="0" i="0" u="none" strike="noStrike" dirty="0">
-                          <a:effectLst/>
-                          <a:latin typeface="Arial" panose="020B0604020202020204" pitchFamily="34" charset="0"/>
-                        </a:rPr>
-                        <a:t>191.179.81.99</a:t>
-                      </a:r>
+                      <a:endParaRPr lang="pt-BR" sz="1600" b="0" i="0" u="none" strike="noStrike" dirty="0">
+                        <a:effectLst/>
+                        <a:latin typeface="Arial"/>
+                      </a:endParaRPr>
                     </a:p>
                   </a:txBody>
                   <a:tcPr marL="9525" marR="9525" marT="9525" marB="0" anchor="ctr"/>
@@ -24275,13 +23864,10 @@
                     <a:lstStyle/>
                     <a:p>
                       <a:pPr algn="l" fontAlgn="b"/>
-                      <a:r>
-                        <a:rPr lang="pt-BR" sz="1600" b="0" i="0" u="none" strike="noStrike">
-                          <a:effectLst/>
-                          <a:latin typeface="Arial" panose="020B0604020202020204" pitchFamily="34" charset="0"/>
-                        </a:rPr>
-                        <a:t>douglas.gomes@inss.gov.br</a:t>
-                      </a:r>
+                      <a:endParaRPr lang="pt-BR" sz="1600" b="0" i="0" u="none" strike="noStrike" dirty="0">
+                        <a:effectLst/>
+                        <a:latin typeface="Arial"/>
+                      </a:endParaRPr>
                     </a:p>
                   </a:txBody>
                   <a:tcPr marL="9525" marR="9525" marT="9525" marB="0" anchor="ctr"/>
@@ -24292,16 +23878,9 @@
                     <a:lstStyle/>
                     <a:p>
                       <a:pPr algn="l" fontAlgn="b"/>
-                      <a:r>
-                        <a:rPr lang="pt-BR" sz="1600" b="0" i="0" u="none" strike="noStrike" dirty="0" err="1">
-                          <a:effectLst/>
-                          <a:latin typeface="Arial" panose="020B0604020202020204" pitchFamily="34" charset="0"/>
-                        </a:rPr>
-                        <a:t>Brazil,BR</a:t>
-                      </a:r>
                       <a:endParaRPr lang="pt-BR" sz="1600" b="0" i="0" u="none" strike="noStrike" dirty="0">
                         <a:effectLst/>
-                        <a:latin typeface="Arial" panose="020B0604020202020204" pitchFamily="34" charset="0"/>
+                        <a:latin typeface="Arial"/>
                       </a:endParaRPr>
                     </a:p>
                   </a:txBody>
@@ -24310,6 +23889,391 @@
                 <a:extLst>
                   <a:ext uri="{0D108BD9-81ED-4DB2-BD59-A6C34878D82A}">
                     <a16:rowId xmlns:a16="http://schemas.microsoft.com/office/drawing/2014/main" val="3625421892"/>
+                  </a:ext>
+                </a:extLst>
+              </a:tr>
+              <a:tr h="370839">
+                <a:tc>
+                  <a:txBody>
+                    <a:bodyPr/>
+                    <a:lstStyle/>
+                    <a:p>
+                      <a:pPr lvl="0" algn="l">
+                        <a:buNone/>
+                      </a:pPr>
+                      <a:endParaRPr lang="pt-BR" sz="1600" b="0" i="0" u="none" strike="noStrike" dirty="0">
+                        <a:effectLst/>
+                        <a:latin typeface="Arial"/>
+                      </a:endParaRPr>
+                    </a:p>
+                  </a:txBody>
+                  <a:tcPr marL="9525" marR="9525" marT="9525" marB="0" anchor="ctr"/>
+                </a:tc>
+                <a:tc>
+                  <a:txBody>
+                    <a:bodyPr/>
+                    <a:lstStyle/>
+                    <a:p>
+                      <a:pPr lvl="0" algn="l">
+                        <a:buNone/>
+                      </a:pPr>
+                      <a:endParaRPr lang="pt-BR" sz="1600" b="0" i="0" u="none" strike="noStrike" dirty="0">
+                        <a:effectLst/>
+                        <a:latin typeface="Arial"/>
+                      </a:endParaRPr>
+                    </a:p>
+                  </a:txBody>
+                  <a:tcPr marL="9525" marR="9525" marT="9525" marB="0" anchor="ctr"/>
+                </a:tc>
+                <a:tc>
+                  <a:txBody>
+                    <a:bodyPr/>
+                    <a:lstStyle/>
+                    <a:p>
+                      <a:pPr lvl="0" algn="l">
+                        <a:buNone/>
+                      </a:pPr>
+                      <a:endParaRPr lang="pt-BR" sz="1600" b="0" i="0" u="none" strike="noStrike" dirty="0">
+                        <a:effectLst/>
+                        <a:latin typeface="Arial"/>
+                      </a:endParaRPr>
+                    </a:p>
+                  </a:txBody>
+                  <a:tcPr marL="9525" marR="9525" marT="9525" marB="0" anchor="ctr"/>
+                </a:tc>
+                <a:extLst>
+                  <a:ext uri="{0D108BD9-81ED-4DB2-BD59-A6C34878D82A}">
+                    <a16:rowId xmlns:a16="http://schemas.microsoft.com/office/drawing/2014/main" val="3258098158"/>
+                  </a:ext>
+                </a:extLst>
+              </a:tr>
+              <a:tr h="370838">
+                <a:tc>
+                  <a:txBody>
+                    <a:bodyPr/>
+                    <a:lstStyle/>
+                    <a:p>
+                      <a:pPr lvl="0" algn="l">
+                        <a:buNone/>
+                      </a:pPr>
+                      <a:endParaRPr lang="pt-BR" sz="1600" b="0" i="0" u="none" strike="noStrike" dirty="0">
+                        <a:effectLst/>
+                        <a:latin typeface="Arial"/>
+                      </a:endParaRPr>
+                    </a:p>
+                  </a:txBody>
+                  <a:tcPr marL="9525" marR="9525" marT="9525" marB="0" anchor="ctr"/>
+                </a:tc>
+                <a:tc>
+                  <a:txBody>
+                    <a:bodyPr/>
+                    <a:lstStyle/>
+                    <a:p>
+                      <a:pPr lvl="0" algn="l">
+                        <a:buNone/>
+                      </a:pPr>
+                      <a:endParaRPr lang="pt-BR" sz="1600" b="0" i="0" u="none" strike="noStrike" dirty="0">
+                        <a:effectLst/>
+                        <a:latin typeface="Arial"/>
+                      </a:endParaRPr>
+                    </a:p>
+                  </a:txBody>
+                  <a:tcPr marL="9525" marR="9525" marT="9525" marB="0" anchor="ctr"/>
+                </a:tc>
+                <a:tc>
+                  <a:txBody>
+                    <a:bodyPr/>
+                    <a:lstStyle/>
+                    <a:p>
+                      <a:pPr lvl="0" algn="l">
+                        <a:buNone/>
+                      </a:pPr>
+                      <a:endParaRPr lang="pt-BR" sz="1600" b="0" i="0" u="none" strike="noStrike" dirty="0">
+                        <a:effectLst/>
+                        <a:latin typeface="Arial"/>
+                      </a:endParaRPr>
+                    </a:p>
+                  </a:txBody>
+                  <a:tcPr marL="9525" marR="9525" marT="9525" marB="0" anchor="ctr"/>
+                </a:tc>
+                <a:extLst>
+                  <a:ext uri="{0D108BD9-81ED-4DB2-BD59-A6C34878D82A}">
+                    <a16:rowId xmlns:a16="http://schemas.microsoft.com/office/drawing/2014/main" val="2861957451"/>
+                  </a:ext>
+                </a:extLst>
+              </a:tr>
+              <a:tr h="370838">
+                <a:tc>
+                  <a:txBody>
+                    <a:bodyPr/>
+                    <a:lstStyle/>
+                    <a:p>
+                      <a:pPr lvl="0" algn="l">
+                        <a:buNone/>
+                      </a:pPr>
+                      <a:endParaRPr lang="pt-BR" sz="1600" b="0" i="0" u="none" strike="noStrike" dirty="0">
+                        <a:effectLst/>
+                        <a:latin typeface="Arial"/>
+                      </a:endParaRPr>
+                    </a:p>
+                  </a:txBody>
+                  <a:tcPr marL="9525" marR="9525" marT="9525" marB="0" anchor="ctr"/>
+                </a:tc>
+                <a:tc>
+                  <a:txBody>
+                    <a:bodyPr/>
+                    <a:lstStyle/>
+                    <a:p>
+                      <a:pPr lvl="0" algn="l">
+                        <a:buNone/>
+                      </a:pPr>
+                      <a:endParaRPr lang="pt-BR" sz="1600" b="0" i="0" u="none" strike="noStrike" dirty="0">
+                        <a:effectLst/>
+                        <a:latin typeface="Arial"/>
+                      </a:endParaRPr>
+                    </a:p>
+                  </a:txBody>
+                  <a:tcPr marL="9525" marR="9525" marT="9525" marB="0" anchor="ctr"/>
+                </a:tc>
+                <a:tc>
+                  <a:txBody>
+                    <a:bodyPr/>
+                    <a:lstStyle/>
+                    <a:p>
+                      <a:pPr lvl="0" algn="l">
+                        <a:buNone/>
+                      </a:pPr>
+                      <a:endParaRPr lang="pt-BR" sz="1600" b="0" i="0" u="none" strike="noStrike" dirty="0">
+                        <a:effectLst/>
+                        <a:latin typeface="Arial"/>
+                      </a:endParaRPr>
+                    </a:p>
+                  </a:txBody>
+                  <a:tcPr marL="9525" marR="9525" marT="9525" marB="0" anchor="ctr"/>
+                </a:tc>
+                <a:extLst>
+                  <a:ext uri="{0D108BD9-81ED-4DB2-BD59-A6C34878D82A}">
+                    <a16:rowId xmlns:a16="http://schemas.microsoft.com/office/drawing/2014/main" val="1419688581"/>
+                  </a:ext>
+                </a:extLst>
+              </a:tr>
+              <a:tr h="370838">
+                <a:tc>
+                  <a:txBody>
+                    <a:bodyPr/>
+                    <a:lstStyle/>
+                    <a:p>
+                      <a:pPr lvl="0" algn="l">
+                        <a:buNone/>
+                      </a:pPr>
+                      <a:endParaRPr lang="pt-BR" sz="1600" b="0" i="0" u="none" strike="noStrike" dirty="0">
+                        <a:effectLst/>
+                        <a:latin typeface="Arial"/>
+                      </a:endParaRPr>
+                    </a:p>
+                  </a:txBody>
+                  <a:tcPr marL="9525" marR="9525" marT="9525" marB="0" anchor="ctr"/>
+                </a:tc>
+                <a:tc>
+                  <a:txBody>
+                    <a:bodyPr/>
+                    <a:lstStyle/>
+                    <a:p>
+                      <a:pPr lvl="0" algn="l">
+                        <a:buNone/>
+                      </a:pPr>
+                      <a:endParaRPr lang="pt-BR" sz="1600" b="0" i="0" u="none" strike="noStrike" dirty="0">
+                        <a:effectLst/>
+                        <a:latin typeface="Arial"/>
+                      </a:endParaRPr>
+                    </a:p>
+                  </a:txBody>
+                  <a:tcPr marL="9525" marR="9525" marT="9525" marB="0" anchor="ctr"/>
+                </a:tc>
+                <a:tc>
+                  <a:txBody>
+                    <a:bodyPr/>
+                    <a:lstStyle/>
+                    <a:p>
+                      <a:pPr lvl="0" algn="l">
+                        <a:buNone/>
+                      </a:pPr>
+                      <a:endParaRPr lang="pt-BR" sz="1600" b="0" i="0" u="none" strike="noStrike" dirty="0">
+                        <a:effectLst/>
+                        <a:latin typeface="Arial"/>
+                      </a:endParaRPr>
+                    </a:p>
+                  </a:txBody>
+                  <a:tcPr marL="9525" marR="9525" marT="9525" marB="0" anchor="ctr"/>
+                </a:tc>
+                <a:extLst>
+                  <a:ext uri="{0D108BD9-81ED-4DB2-BD59-A6C34878D82A}">
+                    <a16:rowId xmlns:a16="http://schemas.microsoft.com/office/drawing/2014/main" val="1051113207"/>
+                  </a:ext>
+                </a:extLst>
+              </a:tr>
+              <a:tr h="370838">
+                <a:tc>
+                  <a:txBody>
+                    <a:bodyPr/>
+                    <a:lstStyle/>
+                    <a:p>
+                      <a:pPr lvl="0" algn="l">
+                        <a:buNone/>
+                      </a:pPr>
+                      <a:endParaRPr lang="pt-BR" sz="1600" b="0" i="0" u="none" strike="noStrike" dirty="0">
+                        <a:effectLst/>
+                        <a:latin typeface="Arial"/>
+                      </a:endParaRPr>
+                    </a:p>
+                  </a:txBody>
+                  <a:tcPr marL="9525" marR="9525" marT="9525" marB="0" anchor="ctr"/>
+                </a:tc>
+                <a:tc>
+                  <a:txBody>
+                    <a:bodyPr/>
+                    <a:lstStyle/>
+                    <a:p>
+                      <a:pPr lvl="0" algn="l">
+                        <a:buNone/>
+                      </a:pPr>
+                      <a:endParaRPr lang="pt-BR" sz="1600" b="0" i="0" u="none" strike="noStrike" dirty="0">
+                        <a:effectLst/>
+                        <a:latin typeface="Arial"/>
+                      </a:endParaRPr>
+                    </a:p>
+                  </a:txBody>
+                  <a:tcPr marL="9525" marR="9525" marT="9525" marB="0" anchor="ctr"/>
+                </a:tc>
+                <a:tc>
+                  <a:txBody>
+                    <a:bodyPr/>
+                    <a:lstStyle/>
+                    <a:p>
+                      <a:pPr lvl="0" algn="l">
+                        <a:buNone/>
+                      </a:pPr>
+                      <a:endParaRPr lang="pt-BR" sz="1600" b="0" i="0" u="none" strike="noStrike" dirty="0">
+                        <a:effectLst/>
+                        <a:latin typeface="Arial"/>
+                      </a:endParaRPr>
+                    </a:p>
+                  </a:txBody>
+                  <a:tcPr marL="9525" marR="9525" marT="9525" marB="0" anchor="ctr"/>
+                </a:tc>
+                <a:extLst>
+                  <a:ext uri="{0D108BD9-81ED-4DB2-BD59-A6C34878D82A}">
+                    <a16:rowId xmlns:a16="http://schemas.microsoft.com/office/drawing/2014/main" val="2936900322"/>
+                  </a:ext>
+                </a:extLst>
+              </a:tr>
+              <a:tr h="370838">
+                <a:tc>
+                  <a:txBody>
+                    <a:bodyPr/>
+                    <a:lstStyle/>
+                    <a:p>
+                      <a:pPr lvl="0" algn="l">
+                        <a:buNone/>
+                      </a:pPr>
+                      <a:endParaRPr lang="pt-BR" sz="1600" b="0" i="0" u="none" strike="noStrike" dirty="0">
+                        <a:effectLst/>
+                        <a:latin typeface="Arial"/>
+                      </a:endParaRPr>
+                    </a:p>
+                  </a:txBody>
+                  <a:tcPr marL="9525" marR="9525" marT="9525" marB="0" anchor="ctr"/>
+                </a:tc>
+                <a:tc>
+                  <a:txBody>
+                    <a:bodyPr/>
+                    <a:lstStyle/>
+                    <a:p>
+                      <a:pPr lvl="0" algn="l">
+                        <a:buNone/>
+                      </a:pPr>
+                      <a:endParaRPr lang="pt-BR" sz="1600" b="0" i="0" u="none" strike="noStrike" dirty="0">
+                        <a:effectLst/>
+                        <a:latin typeface="Arial"/>
+                      </a:endParaRPr>
+                    </a:p>
+                  </a:txBody>
+                  <a:tcPr marL="9525" marR="9525" marT="9525" marB="0" anchor="ctr"/>
+                </a:tc>
+                <a:tc>
+                  <a:txBody>
+                    <a:bodyPr/>
+                    <a:lstStyle/>
+                    <a:p>
+                      <a:pPr lvl="0" algn="l">
+                        <a:buNone/>
+                      </a:pPr>
+                      <a:endParaRPr lang="pt-BR" sz="1600" b="0" i="0" u="none" strike="noStrike" dirty="0">
+                        <a:effectLst/>
+                        <a:latin typeface="Arial"/>
+                      </a:endParaRPr>
+                    </a:p>
+                  </a:txBody>
+                  <a:tcPr marL="9525" marR="9525" marT="9525" marB="0" anchor="ctr"/>
+                </a:tc>
+                <a:extLst>
+                  <a:ext uri="{0D108BD9-81ED-4DB2-BD59-A6C34878D82A}">
+                    <a16:rowId xmlns:a16="http://schemas.microsoft.com/office/drawing/2014/main" val="2299839181"/>
+                  </a:ext>
+                </a:extLst>
+              </a:tr>
+              <a:tr h="370838">
+                <a:tc>
+                  <a:txBody>
+                    <a:bodyPr/>
+                    <a:lstStyle/>
+                    <a:p>
+                      <a:pPr lvl="0" algn="l">
+                        <a:buNone/>
+                      </a:pPr>
+                      <a:endParaRPr lang="pt-BR" sz="1600" b="0" i="0" u="none" strike="noStrike" dirty="0">
+                        <a:effectLst/>
+                        <a:latin typeface="Arial"/>
+                      </a:endParaRPr>
+                    </a:p>
+                  </a:txBody>
+                  <a:tcPr marL="9525" marR="9525" marT="9525" marB="0" anchor="ctr"/>
+                </a:tc>
+                <a:tc>
+                  <a:txBody>
+                    <a:bodyPr/>
+                    <a:lstStyle/>
+                    <a:p>
+                      <a:pPr lvl="0" algn="l">
+                        <a:buNone/>
+                      </a:pPr>
+                      <a:endParaRPr lang="pt-BR" sz="1600" b="0" i="0" u="none" strike="noStrike" dirty="0">
+                        <a:effectLst/>
+                        <a:latin typeface="Arial"/>
+                      </a:endParaRPr>
+                    </a:p>
+                  </a:txBody>
+                  <a:tcPr marL="9525" marR="9525" marT="9525" marB="0" anchor="ctr"/>
+                </a:tc>
+                <a:tc>
+                  <a:txBody>
+                    <a:bodyPr/>
+                    <a:lstStyle/>
+                    <a:p>
+                      <a:pPr lvl="0" algn="l">
+                        <a:buNone/>
+                      </a:pPr>
+                      <a:endParaRPr lang="pt-BR" sz="1600" b="0" i="0" u="none" strike="noStrike" dirty="0">
+                        <a:effectLst/>
+                        <a:latin typeface="Arial"/>
+                      </a:endParaRPr>
+                    </a:p>
+                  </a:txBody>
+                  <a:tcPr marL="9525" marR="9525" marT="9525" marB="0" anchor="ctr"/>
+                </a:tc>
+                <a:extLst>
+                  <a:ext uri="{0D108BD9-81ED-4DB2-BD59-A6C34878D82A}">
+                    <a16:rowId xmlns:a16="http://schemas.microsoft.com/office/drawing/2014/main" val="518575730"/>
                   </a:ext>
                 </a:extLst>
               </a:tr>
@@ -25307,36 +25271,6 @@
           </a:p>
         </p:txBody>
       </p:sp>
-      <p:pic>
-        <p:nvPicPr>
-          <p:cNvPr id="2" name="Imagem 1">
-            <a:extLst>
-              <a:ext uri="{FF2B5EF4-FFF2-40B4-BE49-F238E27FC236}">
-                <a16:creationId xmlns:a16="http://schemas.microsoft.com/office/drawing/2014/main" id="{18EDF89F-448F-4D97-BFC6-CC390844031A}"/>
-              </a:ext>
-            </a:extLst>
-          </p:cNvPr>
-          <p:cNvPicPr>
-            <a:picLocks noChangeAspect="1"/>
-          </p:cNvPicPr>
-          <p:nvPr/>
-        </p:nvPicPr>
-        <p:blipFill>
-          <a:blip r:embed="rId4"/>
-          <a:stretch>
-            <a:fillRect/>
-          </a:stretch>
-        </p:blipFill>
-        <p:spPr>
-          <a:xfrm>
-            <a:off x="0" y="1338423"/>
-            <a:ext cx="9144000" cy="4181153"/>
-          </a:xfrm>
-          <a:prstGeom prst="rect">
-            <a:avLst/>
-          </a:prstGeom>
-        </p:spPr>
-      </p:pic>
     </p:spTree>
   </p:cSld>
   <p:clrMapOvr>
@@ -27080,36 +27014,6 @@
           </a:p>
         </p:txBody>
       </p:sp>
-      <p:pic>
-        <p:nvPicPr>
-          <p:cNvPr id="2" name="Imagem 1">
-            <a:extLst>
-              <a:ext uri="{FF2B5EF4-FFF2-40B4-BE49-F238E27FC236}">
-                <a16:creationId xmlns:a16="http://schemas.microsoft.com/office/drawing/2014/main" id="{E66FFB2E-4034-4F27-8FCD-77F1014ACC0C}"/>
-              </a:ext>
-            </a:extLst>
-          </p:cNvPr>
-          <p:cNvPicPr>
-            <a:picLocks noChangeAspect="1"/>
-          </p:cNvPicPr>
-          <p:nvPr/>
-        </p:nvPicPr>
-        <p:blipFill>
-          <a:blip r:embed="rId3"/>
-          <a:stretch>
-            <a:fillRect/>
-          </a:stretch>
-        </p:blipFill>
-        <p:spPr>
-          <a:xfrm>
-            <a:off x="501650" y="566135"/>
-            <a:ext cx="8172400" cy="5803518"/>
-          </a:xfrm>
-          <a:prstGeom prst="rect">
-            <a:avLst/>
-          </a:prstGeom>
-        </p:spPr>
-      </p:pic>
     </p:spTree>
   </p:cSld>
   <p:clrMapOvr>
@@ -28225,36 +28129,6 @@
           </a:p>
         </p:txBody>
       </p:sp>
-      <p:pic>
-        <p:nvPicPr>
-          <p:cNvPr id="2" name="Imagem 1">
-            <a:extLst>
-              <a:ext uri="{FF2B5EF4-FFF2-40B4-BE49-F238E27FC236}">
-                <a16:creationId xmlns:a16="http://schemas.microsoft.com/office/drawing/2014/main" id="{B175FBB5-66B2-46B8-8064-CE308D2FB8FC}"/>
-              </a:ext>
-            </a:extLst>
-          </p:cNvPr>
-          <p:cNvPicPr>
-            <a:picLocks noChangeAspect="1"/>
-          </p:cNvPicPr>
-          <p:nvPr/>
-        </p:nvPicPr>
-        <p:blipFill>
-          <a:blip r:embed="rId3"/>
-          <a:stretch>
-            <a:fillRect/>
-          </a:stretch>
-        </p:blipFill>
-        <p:spPr>
-          <a:xfrm>
-            <a:off x="0" y="813179"/>
-            <a:ext cx="9144000" cy="5231642"/>
-          </a:xfrm>
-          <a:prstGeom prst="rect">
-            <a:avLst/>
-          </a:prstGeom>
-        </p:spPr>
-      </p:pic>
     </p:spTree>
   </p:cSld>
   <p:clrMapOvr>
@@ -29941,36 +29815,6 @@
           </a:p>
         </p:txBody>
       </p:sp>
-      <p:pic>
-        <p:nvPicPr>
-          <p:cNvPr id="2" name="Imagem 1">
-            <a:extLst>
-              <a:ext uri="{FF2B5EF4-FFF2-40B4-BE49-F238E27FC236}">
-                <a16:creationId xmlns:a16="http://schemas.microsoft.com/office/drawing/2014/main" id="{9D36D604-0F52-4AE7-B71D-F6A308182391}"/>
-              </a:ext>
-            </a:extLst>
-          </p:cNvPr>
-          <p:cNvPicPr>
-            <a:picLocks noChangeAspect="1"/>
-          </p:cNvPicPr>
-          <p:nvPr/>
-        </p:nvPicPr>
-        <p:blipFill>
-          <a:blip r:embed="rId3"/>
-          <a:stretch>
-            <a:fillRect/>
-          </a:stretch>
-        </p:blipFill>
-        <p:spPr>
-          <a:xfrm>
-            <a:off x="804862" y="1271587"/>
-            <a:ext cx="7534275" cy="4314825"/>
-          </a:xfrm>
-          <a:prstGeom prst="rect">
-            <a:avLst/>
-          </a:prstGeom>
-        </p:spPr>
-      </p:pic>
     </p:spTree>
   </p:cSld>
   <p:clrMapOvr>
@@ -31522,36 +31366,6 @@
           </a:p>
         </p:txBody>
       </p:sp>
-      <p:pic>
-        <p:nvPicPr>
-          <p:cNvPr id="3" name="Imagem 2">
-            <a:extLst>
-              <a:ext uri="{FF2B5EF4-FFF2-40B4-BE49-F238E27FC236}">
-                <a16:creationId xmlns:a16="http://schemas.microsoft.com/office/drawing/2014/main" id="{2F0EC974-128C-4AC4-A993-E2FC962549B0}"/>
-              </a:ext>
-            </a:extLst>
-          </p:cNvPr>
-          <p:cNvPicPr>
-            <a:picLocks noChangeAspect="1"/>
-          </p:cNvPicPr>
-          <p:nvPr/>
-        </p:nvPicPr>
-        <p:blipFill>
-          <a:blip r:embed="rId3"/>
-          <a:stretch>
-            <a:fillRect/>
-          </a:stretch>
-        </p:blipFill>
-        <p:spPr>
-          <a:xfrm>
-            <a:off x="0" y="2197517"/>
-            <a:ext cx="9144000" cy="2462965"/>
-          </a:xfrm>
-          <a:prstGeom prst="rect">
-            <a:avLst/>
-          </a:prstGeom>
-        </p:spPr>
-      </p:pic>
     </p:spTree>
   </p:cSld>
   <p:clrMapOvr>
@@ -33175,36 +32989,6 @@
           </a:p>
         </p:txBody>
       </p:sp>
-      <p:pic>
-        <p:nvPicPr>
-          <p:cNvPr id="2" name="Imagem 1">
-            <a:extLst>
-              <a:ext uri="{FF2B5EF4-FFF2-40B4-BE49-F238E27FC236}">
-                <a16:creationId xmlns:a16="http://schemas.microsoft.com/office/drawing/2014/main" id="{696FD40E-DE5C-4D9A-8474-15ED0DE819BF}"/>
-              </a:ext>
-            </a:extLst>
-          </p:cNvPr>
-          <p:cNvPicPr>
-            <a:picLocks noChangeAspect="1"/>
-          </p:cNvPicPr>
-          <p:nvPr/>
-        </p:nvPicPr>
-        <p:blipFill>
-          <a:blip r:embed="rId3"/>
-          <a:stretch>
-            <a:fillRect/>
-          </a:stretch>
-        </p:blipFill>
-        <p:spPr>
-          <a:xfrm>
-            <a:off x="0" y="1177836"/>
-            <a:ext cx="9144000" cy="4502327"/>
-          </a:xfrm>
-          <a:prstGeom prst="rect">
-            <a:avLst/>
-          </a:prstGeom>
-        </p:spPr>
-      </p:pic>
     </p:spTree>
   </p:cSld>
   <p:clrMapOvr>
@@ -34892,36 +34676,6 @@
           </a:p>
         </p:txBody>
       </p:sp>
-      <p:pic>
-        <p:nvPicPr>
-          <p:cNvPr id="2" name="Imagem 1">
-            <a:extLst>
-              <a:ext uri="{FF2B5EF4-FFF2-40B4-BE49-F238E27FC236}">
-                <a16:creationId xmlns:a16="http://schemas.microsoft.com/office/drawing/2014/main" id="{9595E975-0332-41FE-994C-E4165D495989}"/>
-              </a:ext>
-            </a:extLst>
-          </p:cNvPr>
-          <p:cNvPicPr>
-            <a:picLocks noChangeAspect="1"/>
-          </p:cNvPicPr>
-          <p:nvPr/>
-        </p:nvPicPr>
-        <p:blipFill>
-          <a:blip r:embed="rId3"/>
-          <a:stretch>
-            <a:fillRect/>
-          </a:stretch>
-        </p:blipFill>
-        <p:spPr>
-          <a:xfrm>
-            <a:off x="771525" y="1247775"/>
-            <a:ext cx="7600950" cy="4362450"/>
-          </a:xfrm>
-          <a:prstGeom prst="rect">
-            <a:avLst/>
-          </a:prstGeom>
-        </p:spPr>
-      </p:pic>
     </p:spTree>
   </p:cSld>
   <p:clrMapOvr>
@@ -36624,7 +36378,7 @@
           <p:nvPr>
             <p:extLst>
               <p:ext uri="{D42A27DB-BD31-4B8C-83A1-F6EECF244321}">
-                <p14:modId xmlns:p14="http://schemas.microsoft.com/office/powerpoint/2010/main" val="3452437466"/>
+                <p14:modId xmlns:p14="http://schemas.microsoft.com/office/powerpoint/2010/main" val="3494028894"/>
               </p:ext>
             </p:extLst>
           </p:nvPr>
@@ -36735,10 +36489,7 @@
                     <a:bodyPr/>
                     <a:lstStyle/>
                     <a:p>
-                      <a:r>
-                        <a:rPr lang="pt-BR" sz="1600" dirty="0"/>
-                        <a:t>10.151.70.1</a:t>
-                      </a:r>
+                      <a:endParaRPr lang="pt-BR" sz="1600" dirty="0"/>
                     </a:p>
                   </a:txBody>
                   <a:tcPr/>
@@ -36765,20 +36516,14 @@
                         <a:tabLst/>
                         <a:defRPr/>
                       </a:pPr>
-                      <a:r>
-                        <a:rPr lang="pt-BR" sz="1600" b="0" i="0" kern="1200" dirty="0">
-                          <a:solidFill>
-                            <a:schemeClr val="dk1"/>
-                          </a:solidFill>
-                          <a:effectLst/>
-                          <a:latin typeface="+mn-lt"/>
-                          <a:ea typeface="+mn-ea"/>
-                          <a:cs typeface="+mn-cs"/>
-                        </a:rPr>
-                        <a:t>DFWSPMV001</a:t>
-                      </a:r>
-                      <a:endParaRPr lang="pt-BR" sz="1600" dirty="0">
+                      <a:endParaRPr lang="pt-BR" sz="1600" b="0" i="0" kern="1200" dirty="0">
+                        <a:solidFill>
+                          <a:schemeClr val="dk1"/>
+                        </a:solidFill>
                         <a:effectLst/>
+                        <a:latin typeface="+mn-lt"/>
+                        <a:ea typeface="+mn-ea"/>
+                        <a:cs typeface="+mn-cs"/>
                       </a:endParaRPr>
                     </a:p>
                   </a:txBody>
@@ -36789,10 +36534,7 @@
                     <a:bodyPr/>
                     <a:lstStyle/>
                     <a:p>
-                      <a:r>
-                        <a:rPr lang="pt-BR" sz="1600" dirty="0"/>
-                        <a:t>Esperado</a:t>
-                      </a:r>
+                      <a:endParaRPr lang="pt-BR" sz="1600" dirty="0"/>
                     </a:p>
                   </a:txBody>
                   <a:tcPr/>
@@ -36838,31 +36580,6 @@
                     <a:bodyPr/>
                     <a:lstStyle/>
                     <a:p>
-                      <a:r>
-                        <a:rPr lang="pt-BR" sz="1600" dirty="0"/>
-                        <a:t>10.135.70.1</a:t>
-                      </a:r>
-                    </a:p>
-                  </a:txBody>
-                  <a:tcPr/>
-                </a:tc>
-                <a:tc>
-                  <a:txBody>
-                    <a:bodyPr/>
-                    <a:lstStyle/>
-                    <a:p>
-                      <a:r>
-                        <a:rPr lang="pt-BR" sz="1600" b="0" i="0" kern="1200" dirty="0">
-                          <a:solidFill>
-                            <a:schemeClr val="dk1"/>
-                          </a:solidFill>
-                          <a:effectLst/>
-                          <a:latin typeface="+mn-lt"/>
-                          <a:ea typeface="+mn-ea"/>
-                          <a:cs typeface="+mn-cs"/>
-                        </a:rPr>
-                        <a:t>DFWRJCV001</a:t>
-                      </a:r>
                       <a:endParaRPr lang="pt-BR" sz="1600" dirty="0"/>
                     </a:p>
                   </a:txBody>
@@ -36873,10 +36590,25 @@
                     <a:bodyPr/>
                     <a:lstStyle/>
                     <a:p>
-                      <a:r>
-                        <a:rPr lang="pt-BR" sz="1600" dirty="0"/>
-                        <a:t>Esperado</a:t>
-                      </a:r>
+                      <a:endParaRPr lang="pt-BR" sz="1600" b="0" i="0" kern="1200" dirty="0">
+                        <a:solidFill>
+                          <a:schemeClr val="dk1"/>
+                        </a:solidFill>
+                        <a:effectLst/>
+                        <a:latin typeface="+mn-lt"/>
+                        <a:ea typeface="+mn-ea"/>
+                        <a:cs typeface="+mn-cs"/>
+                      </a:endParaRPr>
+                    </a:p>
+                  </a:txBody>
+                  <a:tcPr/>
+                </a:tc>
+                <a:tc>
+                  <a:txBody>
+                    <a:bodyPr/>
+                    <a:lstStyle/>
+                    <a:p>
+                      <a:endParaRPr lang="pt-BR" sz="1600" dirty="0"/>
                     </a:p>
                   </a:txBody>
                   <a:tcPr/>
@@ -36903,31 +36635,6 @@
                     <a:bodyPr/>
                     <a:lstStyle/>
                     <a:p>
-                      <a:r>
-                        <a:rPr lang="pt-BR" sz="1600" dirty="0"/>
-                        <a:t>10.189.248.28</a:t>
-                      </a:r>
-                    </a:p>
-                  </a:txBody>
-                  <a:tcPr/>
-                </a:tc>
-                <a:tc>
-                  <a:txBody>
-                    <a:bodyPr/>
-                    <a:lstStyle/>
-                    <a:p>
-                      <a:r>
-                        <a:rPr lang="pt-BR" sz="1600" b="0" i="0" kern="1200" dirty="0">
-                          <a:solidFill>
-                            <a:schemeClr val="dk1"/>
-                          </a:solidFill>
-                          <a:effectLst/>
-                          <a:latin typeface="+mn-lt"/>
-                          <a:ea typeface="+mn-ea"/>
-                          <a:cs typeface="+mn-cs"/>
-                        </a:rPr>
-                        <a:t>n211p003028.fast.prevnet</a:t>
-                      </a:r>
                       <a:endParaRPr lang="pt-BR" sz="1600" dirty="0"/>
                     </a:p>
                   </a:txBody>
@@ -36938,10 +36645,25 @@
                     <a:bodyPr/>
                     <a:lstStyle/>
                     <a:p>
-                      <a:r>
-                        <a:rPr lang="pt-BR" sz="1600" dirty="0"/>
-                        <a:t>Esperado</a:t>
-                      </a:r>
+                      <a:endParaRPr lang="pt-BR" sz="1600" b="0" i="0" kern="1200" dirty="0">
+                        <a:solidFill>
+                          <a:schemeClr val="dk1"/>
+                        </a:solidFill>
+                        <a:effectLst/>
+                        <a:latin typeface="+mn-lt"/>
+                        <a:ea typeface="+mn-ea"/>
+                        <a:cs typeface="+mn-cs"/>
+                      </a:endParaRPr>
+                    </a:p>
+                  </a:txBody>
+                  <a:tcPr/>
+                </a:tc>
+                <a:tc>
+                  <a:txBody>
+                    <a:bodyPr/>
+                    <a:lstStyle/>
+                    <a:p>
+                      <a:endParaRPr lang="pt-BR" sz="1600" dirty="0"/>
                     </a:p>
                   </a:txBody>
                   <a:tcPr/>
@@ -36968,31 +36690,6 @@
                     <a:bodyPr/>
                     <a:lstStyle/>
                     <a:p>
-                      <a:r>
-                        <a:rPr lang="pt-BR" sz="1600" dirty="0"/>
-                        <a:t>10.135.70.3</a:t>
-                      </a:r>
-                    </a:p>
-                  </a:txBody>
-                  <a:tcPr/>
-                </a:tc>
-                <a:tc>
-                  <a:txBody>
-                    <a:bodyPr/>
-                    <a:lstStyle/>
-                    <a:p>
-                      <a:r>
-                        <a:rPr lang="pt-BR" sz="1600" b="0" i="0" kern="1200" dirty="0">
-                          <a:solidFill>
-                            <a:schemeClr val="dk1"/>
-                          </a:solidFill>
-                          <a:effectLst/>
-                          <a:latin typeface="+mn-lt"/>
-                          <a:ea typeface="+mn-ea"/>
-                          <a:cs typeface="+mn-cs"/>
-                        </a:rPr>
-                        <a:t>v141p425.prevnet</a:t>
-                      </a:r>
                       <a:endParaRPr lang="pt-BR" sz="1600" dirty="0"/>
                     </a:p>
                   </a:txBody>
@@ -37003,10 +36700,25 @@
                     <a:bodyPr/>
                     <a:lstStyle/>
                     <a:p>
-                      <a:r>
-                        <a:rPr lang="pt-BR" sz="1600" dirty="0"/>
-                        <a:t>Esperado</a:t>
-                      </a:r>
+                      <a:endParaRPr lang="pt-BR" sz="1600" b="0" i="0" kern="1200" dirty="0">
+                        <a:solidFill>
+                          <a:schemeClr val="dk1"/>
+                        </a:solidFill>
+                        <a:effectLst/>
+                        <a:latin typeface="+mn-lt"/>
+                        <a:ea typeface="+mn-ea"/>
+                        <a:cs typeface="+mn-cs"/>
+                      </a:endParaRPr>
+                    </a:p>
+                  </a:txBody>
+                  <a:tcPr/>
+                </a:tc>
+                <a:tc>
+                  <a:txBody>
+                    <a:bodyPr/>
+                    <a:lstStyle/>
+                    <a:p>
+                      <a:endParaRPr lang="pt-BR" sz="1600" dirty="0"/>
                     </a:p>
                   </a:txBody>
                   <a:tcPr/>
@@ -37050,31 +36762,6 @@
                         <a:tabLst/>
                         <a:defRPr/>
                       </a:pPr>
-                      <a:r>
-                        <a:rPr lang="pt-BR" sz="1600" dirty="0"/>
-                        <a:t>10.148.16.205</a:t>
-                      </a:r>
-                    </a:p>
-                  </a:txBody>
-                  <a:tcPr/>
-                </a:tc>
-                <a:tc>
-                  <a:txBody>
-                    <a:bodyPr/>
-                    <a:lstStyle/>
-                    <a:p>
-                      <a:r>
-                        <a:rPr lang="pt-BR" sz="1600" b="0" i="0" kern="1200" dirty="0">
-                          <a:solidFill>
-                            <a:schemeClr val="dk1"/>
-                          </a:solidFill>
-                          <a:effectLst/>
-                          <a:latin typeface="+mn-lt"/>
-                          <a:ea typeface="+mn-ea"/>
-                          <a:cs typeface="+mn-cs"/>
-                        </a:rPr>
-                        <a:t>f321p056.prevnet</a:t>
-                      </a:r>
                       <a:endParaRPr lang="pt-BR" sz="1600" dirty="0"/>
                     </a:p>
                   </a:txBody>
@@ -37085,10 +36772,25 @@
                     <a:bodyPr/>
                     <a:lstStyle/>
                     <a:p>
-                      <a:r>
-                        <a:rPr lang="pt-BR" sz="1600" dirty="0"/>
-                        <a:t>Esperado</a:t>
-                      </a:r>
+                      <a:endParaRPr lang="pt-BR" sz="1600" b="0" i="0" kern="1200" dirty="0">
+                        <a:solidFill>
+                          <a:schemeClr val="dk1"/>
+                        </a:solidFill>
+                        <a:effectLst/>
+                        <a:latin typeface="+mn-lt"/>
+                        <a:ea typeface="+mn-ea"/>
+                        <a:cs typeface="+mn-cs"/>
+                      </a:endParaRPr>
+                    </a:p>
+                  </a:txBody>
+                  <a:tcPr/>
+                </a:tc>
+                <a:tc>
+                  <a:txBody>
+                    <a:bodyPr/>
+                    <a:lstStyle/>
+                    <a:p>
+                      <a:endParaRPr lang="pt-BR" sz="1600" dirty="0"/>
                     </a:p>
                   </a:txBody>
                   <a:tcPr/>
@@ -37115,31 +36817,6 @@
                     <a:bodyPr/>
                     <a:lstStyle/>
                     <a:p>
-                      <a:r>
-                        <a:rPr lang="pt-BR" sz="1600" dirty="0"/>
-                        <a:t>10.16.21.200</a:t>
-                      </a:r>
-                    </a:p>
-                  </a:txBody>
-                  <a:tcPr/>
-                </a:tc>
-                <a:tc>
-                  <a:txBody>
-                    <a:bodyPr/>
-                    <a:lstStyle/>
-                    <a:p>
-                      <a:r>
-                        <a:rPr lang="pt-BR" sz="1600" b="0" i="0" kern="1200" dirty="0">
-                          <a:solidFill>
-                            <a:schemeClr val="dk1"/>
-                          </a:solidFill>
-                          <a:effectLst/>
-                          <a:latin typeface="+mn-lt"/>
-                          <a:ea typeface="+mn-ea"/>
-                          <a:cs typeface="+mn-cs"/>
-                        </a:rPr>
-                        <a:t>v321p021.prevnet</a:t>
-                      </a:r>
                       <a:endParaRPr lang="pt-BR" sz="1600" dirty="0"/>
                     </a:p>
                   </a:txBody>
@@ -37150,10 +36827,25 @@
                     <a:bodyPr/>
                     <a:lstStyle/>
                     <a:p>
-                      <a:r>
-                        <a:rPr lang="pt-BR" sz="1600" dirty="0"/>
-                        <a:t>Esperado</a:t>
-                      </a:r>
+                      <a:endParaRPr lang="pt-BR" sz="1600" b="0" i="0" kern="1200" dirty="0">
+                        <a:solidFill>
+                          <a:schemeClr val="dk1"/>
+                        </a:solidFill>
+                        <a:effectLst/>
+                        <a:latin typeface="+mn-lt"/>
+                        <a:ea typeface="+mn-ea"/>
+                        <a:cs typeface="+mn-cs"/>
+                      </a:endParaRPr>
+                    </a:p>
+                  </a:txBody>
+                  <a:tcPr/>
+                </a:tc>
+                <a:tc>
+                  <a:txBody>
+                    <a:bodyPr/>
+                    <a:lstStyle/>
+                    <a:p>
+                      <a:endParaRPr lang="pt-BR" sz="1600" dirty="0"/>
                     </a:p>
                   </a:txBody>
                   <a:tcPr/>
@@ -37180,31 +36872,6 @@
                     <a:bodyPr/>
                     <a:lstStyle/>
                     <a:p>
-                      <a:r>
-                        <a:rPr lang="pt-BR" sz="1600" dirty="0"/>
-                        <a:t>10.128.32.43</a:t>
-                      </a:r>
-                    </a:p>
-                  </a:txBody>
-                  <a:tcPr/>
-                </a:tc>
-                <a:tc>
-                  <a:txBody>
-                    <a:bodyPr/>
-                    <a:lstStyle/>
-                    <a:p>
-                      <a:r>
-                        <a:rPr lang="pt-BR" sz="1600" b="0" i="0" kern="1200" dirty="0">
-                          <a:solidFill>
-                            <a:schemeClr val="dk1"/>
-                          </a:solidFill>
-                          <a:effectLst/>
-                          <a:latin typeface="+mn-lt"/>
-                          <a:ea typeface="+mn-ea"/>
-                          <a:cs typeface="+mn-cs"/>
-                        </a:rPr>
-                        <a:t>www00512.dmz</a:t>
-                      </a:r>
                       <a:endParaRPr lang="pt-BR" sz="1600" dirty="0"/>
                     </a:p>
                   </a:txBody>
@@ -37215,19 +36882,33 @@
                     <a:bodyPr/>
                     <a:lstStyle/>
                     <a:p>
-                      <a:r>
-                        <a:rPr lang="pt-BR" sz="1600" b="0" i="0" kern="1200" dirty="0">
-                          <a:solidFill>
-                            <a:schemeClr val="dk1"/>
-                          </a:solidFill>
-                          <a:effectLst/>
-                          <a:latin typeface="+mn-lt"/>
-                          <a:ea typeface="+mn-ea"/>
-                          <a:cs typeface="+mn-cs"/>
-                        </a:rPr>
-                        <a:t>Esperado</a:t>
-                      </a:r>
-                      <a:endParaRPr lang="pt-BR" sz="1600" dirty="0"/>
+                      <a:endParaRPr lang="pt-BR" sz="1600" b="0" i="0" kern="1200" dirty="0">
+                        <a:solidFill>
+                          <a:schemeClr val="dk1"/>
+                        </a:solidFill>
+                        <a:effectLst/>
+                        <a:latin typeface="+mn-lt"/>
+                        <a:ea typeface="+mn-ea"/>
+                        <a:cs typeface="+mn-cs"/>
+                      </a:endParaRPr>
+                    </a:p>
+                  </a:txBody>
+                  <a:tcPr/>
+                </a:tc>
+                <a:tc>
+                  <a:txBody>
+                    <a:bodyPr/>
+                    <a:lstStyle/>
+                    <a:p>
+                      <a:endParaRPr lang="pt-BR" sz="1600" b="0" i="0" kern="1200" dirty="0">
+                        <a:solidFill>
+                          <a:schemeClr val="dk1"/>
+                        </a:solidFill>
+                        <a:effectLst/>
+                        <a:latin typeface="+mn-lt"/>
+                        <a:ea typeface="+mn-ea"/>
+                        <a:cs typeface="+mn-cs"/>
+                      </a:endParaRPr>
                     </a:p>
                   </a:txBody>
                   <a:tcPr/>
@@ -37254,31 +36935,6 @@
                     <a:bodyPr/>
                     <a:lstStyle/>
                     <a:p>
-                      <a:r>
-                        <a:rPr lang="pt-BR" sz="1600" dirty="0"/>
-                        <a:t>10.128.32.44</a:t>
-                      </a:r>
-                    </a:p>
-                  </a:txBody>
-                  <a:tcPr/>
-                </a:tc>
-                <a:tc>
-                  <a:txBody>
-                    <a:bodyPr/>
-                    <a:lstStyle/>
-                    <a:p>
-                      <a:r>
-                        <a:rPr lang="pt-BR" sz="1600" b="0" i="0" kern="1200" dirty="0">
-                          <a:solidFill>
-                            <a:schemeClr val="dk1"/>
-                          </a:solidFill>
-                          <a:effectLst/>
-                          <a:latin typeface="+mn-lt"/>
-                          <a:ea typeface="+mn-ea"/>
-                          <a:cs typeface="+mn-cs"/>
-                        </a:rPr>
-                        <a:t>www00513.dmz</a:t>
-                      </a:r>
                       <a:endParaRPr lang="pt-BR" sz="1600" dirty="0"/>
                     </a:p>
                   </a:txBody>
@@ -37289,10 +36945,25 @@
                     <a:bodyPr/>
                     <a:lstStyle/>
                     <a:p>
-                      <a:r>
-                        <a:rPr lang="pt-BR" sz="1600" dirty="0"/>
-                        <a:t>Esperado</a:t>
-                      </a:r>
+                      <a:endParaRPr lang="pt-BR" sz="1600" b="0" i="0" kern="1200" dirty="0">
+                        <a:solidFill>
+                          <a:schemeClr val="dk1"/>
+                        </a:solidFill>
+                        <a:effectLst/>
+                        <a:latin typeface="+mn-lt"/>
+                        <a:ea typeface="+mn-ea"/>
+                        <a:cs typeface="+mn-cs"/>
+                      </a:endParaRPr>
+                    </a:p>
+                  </a:txBody>
+                  <a:tcPr/>
+                </a:tc>
+                <a:tc>
+                  <a:txBody>
+                    <a:bodyPr/>
+                    <a:lstStyle/>
+                    <a:p>
+                      <a:endParaRPr lang="pt-BR" sz="1600" dirty="0"/>
                     </a:p>
                   </a:txBody>
                   <a:tcPr/>
@@ -37319,31 +36990,6 @@
                     <a:bodyPr/>
                     <a:lstStyle/>
                     <a:p>
-                      <a:r>
-                        <a:rPr lang="pt-BR" sz="1600" dirty="0"/>
-                        <a:t>10.128.32.27</a:t>
-                      </a:r>
-                    </a:p>
-                  </a:txBody>
-                  <a:tcPr/>
-                </a:tc>
-                <a:tc>
-                  <a:txBody>
-                    <a:bodyPr/>
-                    <a:lstStyle/>
-                    <a:p>
-                      <a:r>
-                        <a:rPr lang="pt-BR" sz="1600" b="0" i="0" kern="1200" dirty="0">
-                          <a:solidFill>
-                            <a:schemeClr val="dk1"/>
-                          </a:solidFill>
-                          <a:effectLst/>
-                          <a:latin typeface="+mn-lt"/>
-                          <a:ea typeface="+mn-ea"/>
-                          <a:cs typeface="+mn-cs"/>
-                        </a:rPr>
-                        <a:t>www00414.dmz</a:t>
-                      </a:r>
                       <a:endParaRPr lang="pt-BR" sz="1600" dirty="0"/>
                     </a:p>
                   </a:txBody>
@@ -37354,10 +37000,25 @@
                     <a:bodyPr/>
                     <a:lstStyle/>
                     <a:p>
-                      <a:r>
-                        <a:rPr lang="pt-BR" sz="1600" dirty="0"/>
-                        <a:t>Esperado</a:t>
-                      </a:r>
+                      <a:endParaRPr lang="pt-BR" sz="1600" b="0" i="0" kern="1200" dirty="0">
+                        <a:solidFill>
+                          <a:schemeClr val="dk1"/>
+                        </a:solidFill>
+                        <a:effectLst/>
+                        <a:latin typeface="+mn-lt"/>
+                        <a:ea typeface="+mn-ea"/>
+                        <a:cs typeface="+mn-cs"/>
+                      </a:endParaRPr>
+                    </a:p>
+                  </a:txBody>
+                  <a:tcPr/>
+                </a:tc>
+                <a:tc>
+                  <a:txBody>
+                    <a:bodyPr/>
+                    <a:lstStyle/>
+                    <a:p>
+                      <a:endParaRPr lang="pt-BR" sz="1600" dirty="0"/>
                     </a:p>
                   </a:txBody>
                   <a:tcPr/>
@@ -37384,31 +37045,6 @@
                     <a:bodyPr/>
                     <a:lstStyle/>
                     <a:p>
-                      <a:r>
-                        <a:rPr lang="pt-BR" sz="1600" dirty="0"/>
-                        <a:t>10.128.32.18</a:t>
-                      </a:r>
-                    </a:p>
-                  </a:txBody>
-                  <a:tcPr/>
-                </a:tc>
-                <a:tc>
-                  <a:txBody>
-                    <a:bodyPr/>
-                    <a:lstStyle/>
-                    <a:p>
-                      <a:r>
-                        <a:rPr lang="pt-BR" sz="1600" b="0" i="0" kern="1200" dirty="0">
-                          <a:solidFill>
-                            <a:schemeClr val="dk1"/>
-                          </a:solidFill>
-                          <a:effectLst/>
-                          <a:latin typeface="+mn-lt"/>
-                          <a:ea typeface="+mn-ea"/>
-                          <a:cs typeface="+mn-cs"/>
-                        </a:rPr>
-                        <a:t>www00381.dmz</a:t>
-                      </a:r>
                       <a:endParaRPr lang="pt-BR" sz="1600" dirty="0"/>
                     </a:p>
                   </a:txBody>
@@ -37419,10 +37055,25 @@
                     <a:bodyPr/>
                     <a:lstStyle/>
                     <a:p>
-                      <a:r>
-                        <a:rPr lang="pt-BR" sz="1600" dirty="0"/>
-                        <a:t>Esperado</a:t>
-                      </a:r>
+                      <a:endParaRPr lang="pt-BR" sz="1600" b="0" i="0" kern="1200" dirty="0">
+                        <a:solidFill>
+                          <a:schemeClr val="dk1"/>
+                        </a:solidFill>
+                        <a:effectLst/>
+                        <a:latin typeface="+mn-lt"/>
+                        <a:ea typeface="+mn-ea"/>
+                        <a:cs typeface="+mn-cs"/>
+                      </a:endParaRPr>
+                    </a:p>
+                  </a:txBody>
+                  <a:tcPr/>
+                </a:tc>
+                <a:tc>
+                  <a:txBody>
+                    <a:bodyPr/>
+                    <a:lstStyle/>
+                    <a:p>
+                      <a:endParaRPr lang="pt-BR" sz="1600" dirty="0"/>
                     </a:p>
                   </a:txBody>
                   <a:tcPr/>
